--- a/images/conceptuals.pptx
+++ b/images/conceptuals.pptx
@@ -17,6 +17,9 @@
     <p:sldId id="265" r:id="rId11"/>
     <p:sldId id="266" r:id="rId12"/>
     <p:sldId id="267" r:id="rId13"/>
+    <p:sldId id="270" r:id="rId14"/>
+    <p:sldId id="269" r:id="rId15"/>
+    <p:sldId id="268" r:id="rId16"/>
   </p:sldIdLst>
   <p:sldSz cx="9144000" cy="6858000" type="letter"/>
   <p:notesSz cx="7053263" cy="9309100"/>
@@ -115,6 +118,11 @@
       </a:defRPr>
     </a:lvl9pPr>
   </p:defaultTextStyle>
+  <p:extLst>
+    <p:ext uri="{EFAFB233-063F-42B5-8137-9DF3F51BA10A}">
+      <p15:sldGuideLst xmlns:p15="http://schemas.microsoft.com/office/powerpoint/2012/main"/>
+    </p:ext>
+  </p:extLst>
 </p:presentation>
 </file>
 
@@ -8933,6 +8941,5424 @@
 </p:sld>
 </file>
 
+<file path=ppt/slides/slide13.xml><?xml version="1.0" encoding="utf-8"?>
+<p:sld xmlns:a="http://schemas.openxmlformats.org/drawingml/2006/main" xmlns:r="http://schemas.openxmlformats.org/officeDocument/2006/relationships" xmlns:p="http://schemas.openxmlformats.org/presentationml/2006/main">
+  <p:cSld>
+    <p:spTree>
+      <p:nvGrpSpPr>
+        <p:cNvPr id="1" name=""/>
+        <p:cNvGrpSpPr/>
+        <p:nvPr/>
+      </p:nvGrpSpPr>
+      <p:grpSpPr>
+        <a:xfrm>
+          <a:off x="0" y="0"/>
+          <a:ext cx="0" cy="0"/>
+          <a:chOff x="0" y="0"/>
+          <a:chExt cx="0" cy="0"/>
+        </a:xfrm>
+      </p:grpSpPr>
+      <p:cxnSp>
+        <p:nvCxnSpPr>
+          <p:cNvPr id="3" name="Straight Arrow Connector 2">
+            <a:extLst>
+              <a:ext uri="{FF2B5EF4-FFF2-40B4-BE49-F238E27FC236}">
+                <a16:creationId xmlns:a16="http://schemas.microsoft.com/office/drawing/2014/main" id="{A33475AC-10E8-4060-A6C1-2A22B1121CBE}"/>
+              </a:ext>
+            </a:extLst>
+          </p:cNvPr>
+          <p:cNvCxnSpPr>
+            <a:cxnSpLocks/>
+          </p:cNvCxnSpPr>
+          <p:nvPr/>
+        </p:nvCxnSpPr>
+        <p:spPr>
+          <a:xfrm>
+            <a:off x="1446246" y="755780"/>
+            <a:ext cx="5952930" cy="0"/>
+          </a:xfrm>
+          <a:prstGeom prst="straightConnector1">
+            <a:avLst/>
+          </a:prstGeom>
+          <a:ln>
+            <a:tailEnd type="triangle"/>
+          </a:ln>
+        </p:spPr>
+        <p:style>
+          <a:lnRef idx="1">
+            <a:schemeClr val="accent1"/>
+          </a:lnRef>
+          <a:fillRef idx="0">
+            <a:schemeClr val="accent1"/>
+          </a:fillRef>
+          <a:effectRef idx="0">
+            <a:schemeClr val="accent1"/>
+          </a:effectRef>
+          <a:fontRef idx="minor">
+            <a:schemeClr val="tx1"/>
+          </a:fontRef>
+        </p:style>
+      </p:cxnSp>
+      <p:cxnSp>
+        <p:nvCxnSpPr>
+          <p:cNvPr id="6" name="Straight Connector 5">
+            <a:extLst>
+              <a:ext uri="{FF2B5EF4-FFF2-40B4-BE49-F238E27FC236}">
+                <a16:creationId xmlns:a16="http://schemas.microsoft.com/office/drawing/2014/main" id="{B050316D-43D6-443B-AE2F-65299CFB4C11}"/>
+              </a:ext>
+            </a:extLst>
+          </p:cNvPr>
+          <p:cNvCxnSpPr/>
+          <p:nvPr/>
+        </p:nvCxnSpPr>
+        <p:spPr>
+          <a:xfrm>
+            <a:off x="5850294" y="643812"/>
+            <a:ext cx="0" cy="233266"/>
+          </a:xfrm>
+          <a:prstGeom prst="line">
+            <a:avLst/>
+          </a:prstGeom>
+        </p:spPr>
+        <p:style>
+          <a:lnRef idx="1">
+            <a:schemeClr val="accent1"/>
+          </a:lnRef>
+          <a:fillRef idx="0">
+            <a:schemeClr val="accent1"/>
+          </a:fillRef>
+          <a:effectRef idx="0">
+            <a:schemeClr val="accent1"/>
+          </a:effectRef>
+          <a:fontRef idx="minor">
+            <a:schemeClr val="tx1"/>
+          </a:fontRef>
+        </p:style>
+      </p:cxnSp>
+      <p:cxnSp>
+        <p:nvCxnSpPr>
+          <p:cNvPr id="7" name="Straight Connector 6">
+            <a:extLst>
+              <a:ext uri="{FF2B5EF4-FFF2-40B4-BE49-F238E27FC236}">
+                <a16:creationId xmlns:a16="http://schemas.microsoft.com/office/drawing/2014/main" id="{5C158088-C0E4-4870-8528-81201333AC7A}"/>
+              </a:ext>
+            </a:extLst>
+          </p:cNvPr>
+          <p:cNvCxnSpPr/>
+          <p:nvPr/>
+        </p:nvCxnSpPr>
+        <p:spPr>
+          <a:xfrm>
+            <a:off x="7243666" y="634481"/>
+            <a:ext cx="0" cy="233266"/>
+          </a:xfrm>
+          <a:prstGeom prst="line">
+            <a:avLst/>
+          </a:prstGeom>
+        </p:spPr>
+        <p:style>
+          <a:lnRef idx="1">
+            <a:schemeClr val="accent1"/>
+          </a:lnRef>
+          <a:fillRef idx="0">
+            <a:schemeClr val="accent1"/>
+          </a:fillRef>
+          <a:effectRef idx="0">
+            <a:schemeClr val="accent1"/>
+          </a:effectRef>
+          <a:fontRef idx="minor">
+            <a:schemeClr val="tx1"/>
+          </a:fontRef>
+        </p:style>
+      </p:cxnSp>
+      <p:cxnSp>
+        <p:nvCxnSpPr>
+          <p:cNvPr id="8" name="Straight Connector 7">
+            <a:extLst>
+              <a:ext uri="{FF2B5EF4-FFF2-40B4-BE49-F238E27FC236}">
+                <a16:creationId xmlns:a16="http://schemas.microsoft.com/office/drawing/2014/main" id="{49AC98D7-7782-49B8-985F-81CAE8F0447C}"/>
+              </a:ext>
+            </a:extLst>
+          </p:cNvPr>
+          <p:cNvCxnSpPr/>
+          <p:nvPr/>
+        </p:nvCxnSpPr>
+        <p:spPr>
+          <a:xfrm>
+            <a:off x="1449356" y="643812"/>
+            <a:ext cx="0" cy="233266"/>
+          </a:xfrm>
+          <a:prstGeom prst="line">
+            <a:avLst/>
+          </a:prstGeom>
+        </p:spPr>
+        <p:style>
+          <a:lnRef idx="1">
+            <a:schemeClr val="accent1"/>
+          </a:lnRef>
+          <a:fillRef idx="0">
+            <a:schemeClr val="accent1"/>
+          </a:fillRef>
+          <a:effectRef idx="0">
+            <a:schemeClr val="accent1"/>
+          </a:effectRef>
+          <a:fontRef idx="minor">
+            <a:schemeClr val="tx1"/>
+          </a:fontRef>
+        </p:style>
+      </p:cxnSp>
+      <p:cxnSp>
+        <p:nvCxnSpPr>
+          <p:cNvPr id="9" name="Straight Connector 8">
+            <a:extLst>
+              <a:ext uri="{FF2B5EF4-FFF2-40B4-BE49-F238E27FC236}">
+                <a16:creationId xmlns:a16="http://schemas.microsoft.com/office/drawing/2014/main" id="{BA6938BD-96CE-42FF-8752-903859B25E80}"/>
+              </a:ext>
+            </a:extLst>
+          </p:cNvPr>
+          <p:cNvCxnSpPr/>
+          <p:nvPr/>
+        </p:nvCxnSpPr>
+        <p:spPr>
+          <a:xfrm>
+            <a:off x="2842727" y="625151"/>
+            <a:ext cx="0" cy="233266"/>
+          </a:xfrm>
+          <a:prstGeom prst="line">
+            <a:avLst/>
+          </a:prstGeom>
+        </p:spPr>
+        <p:style>
+          <a:lnRef idx="1">
+            <a:schemeClr val="accent1"/>
+          </a:lnRef>
+          <a:fillRef idx="0">
+            <a:schemeClr val="accent1"/>
+          </a:fillRef>
+          <a:effectRef idx="0">
+            <a:schemeClr val="accent1"/>
+          </a:effectRef>
+          <a:fontRef idx="minor">
+            <a:schemeClr val="tx1"/>
+          </a:fontRef>
+        </p:style>
+      </p:cxnSp>
+      <p:cxnSp>
+        <p:nvCxnSpPr>
+          <p:cNvPr id="10" name="Straight Connector 9">
+            <a:extLst>
+              <a:ext uri="{FF2B5EF4-FFF2-40B4-BE49-F238E27FC236}">
+                <a16:creationId xmlns:a16="http://schemas.microsoft.com/office/drawing/2014/main" id="{388EC377-8DA5-456A-9F7F-23B7F86B8C1E}"/>
+              </a:ext>
+            </a:extLst>
+          </p:cNvPr>
+          <p:cNvCxnSpPr/>
+          <p:nvPr/>
+        </p:nvCxnSpPr>
+        <p:spPr>
+          <a:xfrm>
+            <a:off x="4360506" y="643812"/>
+            <a:ext cx="0" cy="233266"/>
+          </a:xfrm>
+          <a:prstGeom prst="line">
+            <a:avLst/>
+          </a:prstGeom>
+        </p:spPr>
+        <p:style>
+          <a:lnRef idx="1">
+            <a:schemeClr val="accent1"/>
+          </a:lnRef>
+          <a:fillRef idx="0">
+            <a:schemeClr val="accent1"/>
+          </a:fillRef>
+          <a:effectRef idx="0">
+            <a:schemeClr val="accent1"/>
+          </a:effectRef>
+          <a:fontRef idx="minor">
+            <a:schemeClr val="tx1"/>
+          </a:fontRef>
+        </p:style>
+      </p:cxnSp>
+      <p:sp>
+        <p:nvSpPr>
+          <p:cNvPr id="11" name="TextBox 10">
+            <a:extLst>
+              <a:ext uri="{FF2B5EF4-FFF2-40B4-BE49-F238E27FC236}">
+                <a16:creationId xmlns:a16="http://schemas.microsoft.com/office/drawing/2014/main" id="{71EDF740-24B4-47D2-8D35-7211D67075CE}"/>
+              </a:ext>
+            </a:extLst>
+          </p:cNvPr>
+          <p:cNvSpPr txBox="1"/>
+          <p:nvPr/>
+        </p:nvSpPr>
+        <p:spPr>
+          <a:xfrm>
+            <a:off x="1796143" y="533305"/>
+            <a:ext cx="765108" cy="276999"/>
+          </a:xfrm>
+          <a:prstGeom prst="rect">
+            <a:avLst/>
+          </a:prstGeom>
+          <a:noFill/>
+        </p:spPr>
+        <p:txBody>
+          <a:bodyPr wrap="square" rtlCol="0">
+            <a:spAutoFit/>
+          </a:bodyPr>
+          <a:lstStyle/>
+          <a:p>
+            <a:r>
+              <a:rPr lang="en-US" sz="1200" b="1" dirty="0">
+                <a:solidFill>
+                  <a:srgbClr val="0070C0"/>
+                </a:solidFill>
+              </a:rPr>
+              <a:t>PHASE 1</a:t>
+            </a:r>
+          </a:p>
+        </p:txBody>
+      </p:sp>
+      <p:sp>
+        <p:nvSpPr>
+          <p:cNvPr id="12" name="TextBox 11">
+            <a:extLst>
+              <a:ext uri="{FF2B5EF4-FFF2-40B4-BE49-F238E27FC236}">
+                <a16:creationId xmlns:a16="http://schemas.microsoft.com/office/drawing/2014/main" id="{A8F64B93-F4CF-41A6-8781-189F15D05DEB}"/>
+              </a:ext>
+            </a:extLst>
+          </p:cNvPr>
+          <p:cNvSpPr txBox="1"/>
+          <p:nvPr/>
+        </p:nvSpPr>
+        <p:spPr>
+          <a:xfrm>
+            <a:off x="1810141" y="634481"/>
+            <a:ext cx="755778" cy="369332"/>
+          </a:xfrm>
+          <a:prstGeom prst="rect">
+            <a:avLst/>
+          </a:prstGeom>
+          <a:noFill/>
+        </p:spPr>
+        <p:txBody>
+          <a:bodyPr wrap="square" rtlCol="0">
+            <a:spAutoFit/>
+          </a:bodyPr>
+          <a:lstStyle/>
+          <a:p>
+            <a:r>
+              <a:rPr lang="en-US" sz="1200" b="1" i="1" dirty="0">
+                <a:solidFill>
+                  <a:srgbClr val="0070C0"/>
+                </a:solidFill>
+              </a:rPr>
+              <a:t>x</a:t>
+            </a:r>
+            <a:r>
+              <a:rPr lang="en-US" sz="1200" b="1" dirty="0">
+                <a:solidFill>
+                  <a:srgbClr val="0070C0"/>
+                </a:solidFill>
+              </a:rPr>
+              <a:t> weeks</a:t>
+            </a:r>
+            <a:r>
+              <a:rPr lang="en-US" dirty="0">
+                <a:solidFill>
+                  <a:srgbClr val="0070C0"/>
+                </a:solidFill>
+              </a:rPr>
+              <a:t> </a:t>
+            </a:r>
+          </a:p>
+        </p:txBody>
+      </p:sp>
+      <p:sp>
+        <p:nvSpPr>
+          <p:cNvPr id="13" name="TextBox 12">
+            <a:extLst>
+              <a:ext uri="{FF2B5EF4-FFF2-40B4-BE49-F238E27FC236}">
+                <a16:creationId xmlns:a16="http://schemas.microsoft.com/office/drawing/2014/main" id="{017D987E-8A71-4F16-BD25-F9C7D9B411D8}"/>
+              </a:ext>
+            </a:extLst>
+          </p:cNvPr>
+          <p:cNvSpPr txBox="1"/>
+          <p:nvPr/>
+        </p:nvSpPr>
+        <p:spPr>
+          <a:xfrm>
+            <a:off x="3254828" y="527082"/>
+            <a:ext cx="765108" cy="276999"/>
+          </a:xfrm>
+          <a:prstGeom prst="rect">
+            <a:avLst/>
+          </a:prstGeom>
+          <a:noFill/>
+        </p:spPr>
+        <p:txBody>
+          <a:bodyPr wrap="square" rtlCol="0">
+            <a:spAutoFit/>
+          </a:bodyPr>
+          <a:lstStyle/>
+          <a:p>
+            <a:r>
+              <a:rPr lang="en-US" sz="1200" b="1" dirty="0">
+                <a:solidFill>
+                  <a:schemeClr val="accent2">
+                    <a:lumMod val="75000"/>
+                  </a:schemeClr>
+                </a:solidFill>
+              </a:rPr>
+              <a:t>PHASE 2</a:t>
+            </a:r>
+          </a:p>
+        </p:txBody>
+      </p:sp>
+      <p:sp>
+        <p:nvSpPr>
+          <p:cNvPr id="14" name="TextBox 13">
+            <a:extLst>
+              <a:ext uri="{FF2B5EF4-FFF2-40B4-BE49-F238E27FC236}">
+                <a16:creationId xmlns:a16="http://schemas.microsoft.com/office/drawing/2014/main" id="{D1DBCEB5-F297-4FCB-9A15-F24EE646FBFF}"/>
+              </a:ext>
+            </a:extLst>
+          </p:cNvPr>
+          <p:cNvSpPr txBox="1"/>
+          <p:nvPr/>
+        </p:nvSpPr>
+        <p:spPr>
+          <a:xfrm>
+            <a:off x="3268826" y="628258"/>
+            <a:ext cx="755778" cy="369332"/>
+          </a:xfrm>
+          <a:prstGeom prst="rect">
+            <a:avLst/>
+          </a:prstGeom>
+          <a:noFill/>
+        </p:spPr>
+        <p:txBody>
+          <a:bodyPr wrap="square" rtlCol="0">
+            <a:spAutoFit/>
+          </a:bodyPr>
+          <a:lstStyle/>
+          <a:p>
+            <a:r>
+              <a:rPr lang="en-US" sz="1200" b="1" i="1" dirty="0">
+                <a:solidFill>
+                  <a:schemeClr val="accent2">
+                    <a:lumMod val="75000"/>
+                  </a:schemeClr>
+                </a:solidFill>
+              </a:rPr>
+              <a:t>x</a:t>
+            </a:r>
+            <a:r>
+              <a:rPr lang="en-US" sz="1200" b="1" dirty="0">
+                <a:solidFill>
+                  <a:schemeClr val="accent2">
+                    <a:lumMod val="75000"/>
+                  </a:schemeClr>
+                </a:solidFill>
+              </a:rPr>
+              <a:t> weeks</a:t>
+            </a:r>
+            <a:r>
+              <a:rPr lang="en-US" dirty="0">
+                <a:solidFill>
+                  <a:srgbClr val="0070C0"/>
+                </a:solidFill>
+              </a:rPr>
+              <a:t> </a:t>
+            </a:r>
+          </a:p>
+        </p:txBody>
+      </p:sp>
+      <p:sp>
+        <p:nvSpPr>
+          <p:cNvPr id="15" name="TextBox 14">
+            <a:extLst>
+              <a:ext uri="{FF2B5EF4-FFF2-40B4-BE49-F238E27FC236}">
+                <a16:creationId xmlns:a16="http://schemas.microsoft.com/office/drawing/2014/main" id="{4F3A21AC-2DE4-4C55-8430-F7755F4D0F38}"/>
+              </a:ext>
+            </a:extLst>
+          </p:cNvPr>
+          <p:cNvSpPr txBox="1"/>
+          <p:nvPr/>
+        </p:nvSpPr>
+        <p:spPr>
+          <a:xfrm>
+            <a:off x="4788161" y="520860"/>
+            <a:ext cx="765108" cy="276999"/>
+          </a:xfrm>
+          <a:prstGeom prst="rect">
+            <a:avLst/>
+          </a:prstGeom>
+          <a:noFill/>
+        </p:spPr>
+        <p:txBody>
+          <a:bodyPr wrap="square" rtlCol="0">
+            <a:spAutoFit/>
+          </a:bodyPr>
+          <a:lstStyle/>
+          <a:p>
+            <a:r>
+              <a:rPr lang="en-US" sz="1200" b="1" dirty="0">
+                <a:solidFill>
+                  <a:schemeClr val="bg1">
+                    <a:lumMod val="50000"/>
+                  </a:schemeClr>
+                </a:solidFill>
+              </a:rPr>
+              <a:t>PHASE 3</a:t>
+            </a:r>
+          </a:p>
+        </p:txBody>
+      </p:sp>
+      <p:sp>
+        <p:nvSpPr>
+          <p:cNvPr id="16" name="TextBox 15">
+            <a:extLst>
+              <a:ext uri="{FF2B5EF4-FFF2-40B4-BE49-F238E27FC236}">
+                <a16:creationId xmlns:a16="http://schemas.microsoft.com/office/drawing/2014/main" id="{E33998E8-257E-436C-ACF3-7EBAE818B337}"/>
+              </a:ext>
+            </a:extLst>
+          </p:cNvPr>
+          <p:cNvSpPr txBox="1"/>
+          <p:nvPr/>
+        </p:nvSpPr>
+        <p:spPr>
+          <a:xfrm>
+            <a:off x="4802159" y="622036"/>
+            <a:ext cx="755778" cy="369332"/>
+          </a:xfrm>
+          <a:prstGeom prst="rect">
+            <a:avLst/>
+          </a:prstGeom>
+          <a:noFill/>
+        </p:spPr>
+        <p:txBody>
+          <a:bodyPr wrap="square" rtlCol="0">
+            <a:spAutoFit/>
+          </a:bodyPr>
+          <a:lstStyle/>
+          <a:p>
+            <a:r>
+              <a:rPr lang="en-US" sz="1200" b="1" i="1" dirty="0">
+                <a:solidFill>
+                  <a:schemeClr val="bg1">
+                    <a:lumMod val="50000"/>
+                  </a:schemeClr>
+                </a:solidFill>
+              </a:rPr>
+              <a:t>x</a:t>
+            </a:r>
+            <a:r>
+              <a:rPr lang="en-US" sz="1200" b="1" dirty="0">
+                <a:solidFill>
+                  <a:schemeClr val="bg1">
+                    <a:lumMod val="50000"/>
+                  </a:schemeClr>
+                </a:solidFill>
+              </a:rPr>
+              <a:t> weeks</a:t>
+            </a:r>
+            <a:r>
+              <a:rPr lang="en-US" dirty="0">
+                <a:solidFill>
+                  <a:srgbClr val="0070C0"/>
+                </a:solidFill>
+              </a:rPr>
+              <a:t> </a:t>
+            </a:r>
+          </a:p>
+        </p:txBody>
+      </p:sp>
+      <p:sp>
+        <p:nvSpPr>
+          <p:cNvPr id="17" name="TextBox 16">
+            <a:extLst>
+              <a:ext uri="{FF2B5EF4-FFF2-40B4-BE49-F238E27FC236}">
+                <a16:creationId xmlns:a16="http://schemas.microsoft.com/office/drawing/2014/main" id="{2C126F38-98A6-4A90-9C35-330963C49B9D}"/>
+              </a:ext>
+            </a:extLst>
+          </p:cNvPr>
+          <p:cNvSpPr txBox="1"/>
+          <p:nvPr/>
+        </p:nvSpPr>
+        <p:spPr>
+          <a:xfrm>
+            <a:off x="6302832" y="523968"/>
+            <a:ext cx="765108" cy="276999"/>
+          </a:xfrm>
+          <a:prstGeom prst="rect">
+            <a:avLst/>
+          </a:prstGeom>
+          <a:noFill/>
+        </p:spPr>
+        <p:txBody>
+          <a:bodyPr wrap="square" rtlCol="0">
+            <a:spAutoFit/>
+          </a:bodyPr>
+          <a:lstStyle/>
+          <a:p>
+            <a:r>
+              <a:rPr lang="en-US" sz="1200" b="1" dirty="0">
+                <a:solidFill>
+                  <a:schemeClr val="accent6">
+                    <a:lumMod val="75000"/>
+                  </a:schemeClr>
+                </a:solidFill>
+              </a:rPr>
+              <a:t>PHASE 4</a:t>
+            </a:r>
+          </a:p>
+        </p:txBody>
+      </p:sp>
+      <p:sp>
+        <p:nvSpPr>
+          <p:cNvPr id="18" name="TextBox 17">
+            <a:extLst>
+              <a:ext uri="{FF2B5EF4-FFF2-40B4-BE49-F238E27FC236}">
+                <a16:creationId xmlns:a16="http://schemas.microsoft.com/office/drawing/2014/main" id="{E277A3D5-7113-4D52-984D-D579D7F4B458}"/>
+              </a:ext>
+            </a:extLst>
+          </p:cNvPr>
+          <p:cNvSpPr txBox="1"/>
+          <p:nvPr/>
+        </p:nvSpPr>
+        <p:spPr>
+          <a:xfrm>
+            <a:off x="6316830" y="625144"/>
+            <a:ext cx="755778" cy="369332"/>
+          </a:xfrm>
+          <a:prstGeom prst="rect">
+            <a:avLst/>
+          </a:prstGeom>
+          <a:noFill/>
+        </p:spPr>
+        <p:txBody>
+          <a:bodyPr wrap="square" rtlCol="0">
+            <a:spAutoFit/>
+          </a:bodyPr>
+          <a:lstStyle/>
+          <a:p>
+            <a:r>
+              <a:rPr lang="en-US" sz="1200" b="1" i="1" dirty="0">
+                <a:solidFill>
+                  <a:schemeClr val="accent6">
+                    <a:lumMod val="75000"/>
+                  </a:schemeClr>
+                </a:solidFill>
+              </a:rPr>
+              <a:t>x</a:t>
+            </a:r>
+            <a:r>
+              <a:rPr lang="en-US" sz="1200" b="1" dirty="0">
+                <a:solidFill>
+                  <a:schemeClr val="accent6">
+                    <a:lumMod val="75000"/>
+                  </a:schemeClr>
+                </a:solidFill>
+              </a:rPr>
+              <a:t> weeks</a:t>
+            </a:r>
+            <a:r>
+              <a:rPr lang="en-US" dirty="0">
+                <a:solidFill>
+                  <a:srgbClr val="0070C0"/>
+                </a:solidFill>
+              </a:rPr>
+              <a:t> </a:t>
+            </a:r>
+          </a:p>
+        </p:txBody>
+      </p:sp>
+      <p:sp>
+        <p:nvSpPr>
+          <p:cNvPr id="19" name="Arrow: Pentagon 18">
+            <a:extLst>
+              <a:ext uri="{FF2B5EF4-FFF2-40B4-BE49-F238E27FC236}">
+                <a16:creationId xmlns:a16="http://schemas.microsoft.com/office/drawing/2014/main" id="{435C45B9-0618-4CFD-908E-36D91FEA2F19}"/>
+              </a:ext>
+            </a:extLst>
+          </p:cNvPr>
+          <p:cNvSpPr/>
+          <p:nvPr/>
+        </p:nvSpPr>
+        <p:spPr>
+          <a:xfrm>
+            <a:off x="752676" y="2079223"/>
+            <a:ext cx="1038806" cy="233267"/>
+          </a:xfrm>
+          <a:prstGeom prst="homePlate">
+            <a:avLst/>
+          </a:prstGeom>
+        </p:spPr>
+        <p:style>
+          <a:lnRef idx="2">
+            <a:schemeClr val="accent1">
+              <a:shade val="50000"/>
+            </a:schemeClr>
+          </a:lnRef>
+          <a:fillRef idx="1">
+            <a:schemeClr val="accent1"/>
+          </a:fillRef>
+          <a:effectRef idx="0">
+            <a:schemeClr val="accent1"/>
+          </a:effectRef>
+          <a:fontRef idx="minor">
+            <a:schemeClr val="lt1"/>
+          </a:fontRef>
+        </p:style>
+        <p:txBody>
+          <a:bodyPr rtlCol="0" anchor="ctr"/>
+          <a:lstStyle/>
+          <a:p>
+            <a:pPr algn="ctr"/>
+            <a:endParaRPr lang="en-US"/>
+          </a:p>
+        </p:txBody>
+      </p:sp>
+      <p:sp>
+        <p:nvSpPr>
+          <p:cNvPr id="20" name="TextBox 19">
+            <a:extLst>
+              <a:ext uri="{FF2B5EF4-FFF2-40B4-BE49-F238E27FC236}">
+                <a16:creationId xmlns:a16="http://schemas.microsoft.com/office/drawing/2014/main" id="{BB817AE8-AAF4-4DB2-9966-2E515BE583B2}"/>
+              </a:ext>
+            </a:extLst>
+          </p:cNvPr>
+          <p:cNvSpPr txBox="1"/>
+          <p:nvPr/>
+        </p:nvSpPr>
+        <p:spPr>
+          <a:xfrm>
+            <a:off x="957882" y="2035329"/>
+            <a:ext cx="583814" cy="307777"/>
+          </a:xfrm>
+          <a:prstGeom prst="rect">
+            <a:avLst/>
+          </a:prstGeom>
+          <a:noFill/>
+        </p:spPr>
+        <p:txBody>
+          <a:bodyPr wrap="none" rtlCol="0">
+            <a:spAutoFit/>
+          </a:bodyPr>
+          <a:lstStyle/>
+          <a:p>
+            <a:r>
+              <a:rPr lang="en-US" sz="1400" b="1" dirty="0">
+                <a:solidFill>
+                  <a:schemeClr val="bg1"/>
+                </a:solidFill>
+              </a:rPr>
+              <a:t>PLAN</a:t>
+            </a:r>
+          </a:p>
+        </p:txBody>
+      </p:sp>
+      <p:sp>
+        <p:nvSpPr>
+          <p:cNvPr id="25" name="Arrow: Pentagon 24">
+            <a:extLst>
+              <a:ext uri="{FF2B5EF4-FFF2-40B4-BE49-F238E27FC236}">
+                <a16:creationId xmlns:a16="http://schemas.microsoft.com/office/drawing/2014/main" id="{27CE8EE9-AAAA-4B89-BC38-9FA633F5D847}"/>
+              </a:ext>
+            </a:extLst>
+          </p:cNvPr>
+          <p:cNvSpPr/>
+          <p:nvPr/>
+        </p:nvSpPr>
+        <p:spPr>
+          <a:xfrm>
+            <a:off x="1212989" y="2334261"/>
+            <a:ext cx="1038806" cy="233267"/>
+          </a:xfrm>
+          <a:prstGeom prst="homePlate">
+            <a:avLst/>
+          </a:prstGeom>
+        </p:spPr>
+        <p:style>
+          <a:lnRef idx="2">
+            <a:schemeClr val="accent1">
+              <a:shade val="50000"/>
+            </a:schemeClr>
+          </a:lnRef>
+          <a:fillRef idx="1">
+            <a:schemeClr val="accent1"/>
+          </a:fillRef>
+          <a:effectRef idx="0">
+            <a:schemeClr val="accent1"/>
+          </a:effectRef>
+          <a:fontRef idx="minor">
+            <a:schemeClr val="lt1"/>
+          </a:fontRef>
+        </p:style>
+        <p:txBody>
+          <a:bodyPr rtlCol="0" anchor="ctr"/>
+          <a:lstStyle/>
+          <a:p>
+            <a:pPr algn="ctr"/>
+            <a:endParaRPr lang="en-US"/>
+          </a:p>
+        </p:txBody>
+      </p:sp>
+      <p:sp>
+        <p:nvSpPr>
+          <p:cNvPr id="26" name="TextBox 25">
+            <a:extLst>
+              <a:ext uri="{FF2B5EF4-FFF2-40B4-BE49-F238E27FC236}">
+                <a16:creationId xmlns:a16="http://schemas.microsoft.com/office/drawing/2014/main" id="{0C949433-B6FA-419A-B387-BCEA6D3319CC}"/>
+              </a:ext>
+            </a:extLst>
+          </p:cNvPr>
+          <p:cNvSpPr txBox="1"/>
+          <p:nvPr/>
+        </p:nvSpPr>
+        <p:spPr>
+          <a:xfrm>
+            <a:off x="1418195" y="2290367"/>
+            <a:ext cx="649537" cy="307777"/>
+          </a:xfrm>
+          <a:prstGeom prst="rect">
+            <a:avLst/>
+          </a:prstGeom>
+          <a:noFill/>
+        </p:spPr>
+        <p:txBody>
+          <a:bodyPr wrap="none" rtlCol="0">
+            <a:spAutoFit/>
+          </a:bodyPr>
+          <a:lstStyle/>
+          <a:p>
+            <a:r>
+              <a:rPr lang="en-US" sz="1400" b="1" dirty="0">
+                <a:solidFill>
+                  <a:schemeClr val="bg1"/>
+                </a:solidFill>
+              </a:rPr>
+              <a:t>TRAIN</a:t>
+            </a:r>
+          </a:p>
+        </p:txBody>
+      </p:sp>
+      <p:sp>
+        <p:nvSpPr>
+          <p:cNvPr id="27" name="Arrow: Pentagon 26">
+            <a:extLst>
+              <a:ext uri="{FF2B5EF4-FFF2-40B4-BE49-F238E27FC236}">
+                <a16:creationId xmlns:a16="http://schemas.microsoft.com/office/drawing/2014/main" id="{C2FF3722-2866-43D3-9FF7-776B29A5E605}"/>
+              </a:ext>
+            </a:extLst>
+          </p:cNvPr>
+          <p:cNvSpPr/>
+          <p:nvPr/>
+        </p:nvSpPr>
+        <p:spPr>
+          <a:xfrm>
+            <a:off x="1579998" y="2589297"/>
+            <a:ext cx="1038806" cy="233267"/>
+          </a:xfrm>
+          <a:prstGeom prst="homePlate">
+            <a:avLst/>
+          </a:prstGeom>
+        </p:spPr>
+        <p:style>
+          <a:lnRef idx="2">
+            <a:schemeClr val="accent1">
+              <a:shade val="50000"/>
+            </a:schemeClr>
+          </a:lnRef>
+          <a:fillRef idx="1">
+            <a:schemeClr val="accent1"/>
+          </a:fillRef>
+          <a:effectRef idx="0">
+            <a:schemeClr val="accent1"/>
+          </a:effectRef>
+          <a:fontRef idx="minor">
+            <a:schemeClr val="lt1"/>
+          </a:fontRef>
+        </p:style>
+        <p:txBody>
+          <a:bodyPr rtlCol="0" anchor="ctr"/>
+          <a:lstStyle/>
+          <a:p>
+            <a:pPr algn="ctr"/>
+            <a:endParaRPr lang="en-US"/>
+          </a:p>
+        </p:txBody>
+      </p:sp>
+      <p:sp>
+        <p:nvSpPr>
+          <p:cNvPr id="28" name="TextBox 27">
+            <a:extLst>
+              <a:ext uri="{FF2B5EF4-FFF2-40B4-BE49-F238E27FC236}">
+                <a16:creationId xmlns:a16="http://schemas.microsoft.com/office/drawing/2014/main" id="{724D6E6A-5891-48FC-9F73-FA4B7C54E7BE}"/>
+              </a:ext>
+            </a:extLst>
+          </p:cNvPr>
+          <p:cNvSpPr txBox="1"/>
+          <p:nvPr/>
+        </p:nvSpPr>
+        <p:spPr>
+          <a:xfrm>
+            <a:off x="1542606" y="2545403"/>
+            <a:ext cx="1101584" cy="307777"/>
+          </a:xfrm>
+          <a:prstGeom prst="rect">
+            <a:avLst/>
+          </a:prstGeom>
+          <a:noFill/>
+        </p:spPr>
+        <p:txBody>
+          <a:bodyPr wrap="none" rtlCol="0">
+            <a:spAutoFit/>
+          </a:bodyPr>
+          <a:lstStyle/>
+          <a:p>
+            <a:r>
+              <a:rPr lang="en-US" sz="1400" b="1" dirty="0">
+                <a:solidFill>
+                  <a:schemeClr val="bg1"/>
+                </a:solidFill>
+              </a:rPr>
+              <a:t>IMPLEMENT</a:t>
+            </a:r>
+          </a:p>
+        </p:txBody>
+      </p:sp>
+      <p:sp>
+        <p:nvSpPr>
+          <p:cNvPr id="29" name="Arrow: Pentagon 28">
+            <a:extLst>
+              <a:ext uri="{FF2B5EF4-FFF2-40B4-BE49-F238E27FC236}">
+                <a16:creationId xmlns:a16="http://schemas.microsoft.com/office/drawing/2014/main" id="{38E3A603-B37D-4654-BE3D-CB9112F0F63C}"/>
+              </a:ext>
+            </a:extLst>
+          </p:cNvPr>
+          <p:cNvSpPr/>
+          <p:nvPr/>
+        </p:nvSpPr>
+        <p:spPr>
+          <a:xfrm>
+            <a:off x="1909682" y="2853661"/>
+            <a:ext cx="1038806" cy="233267"/>
+          </a:xfrm>
+          <a:prstGeom prst="homePlate">
+            <a:avLst/>
+          </a:prstGeom>
+        </p:spPr>
+        <p:style>
+          <a:lnRef idx="2">
+            <a:schemeClr val="accent1">
+              <a:shade val="50000"/>
+            </a:schemeClr>
+          </a:lnRef>
+          <a:fillRef idx="1">
+            <a:schemeClr val="accent1"/>
+          </a:fillRef>
+          <a:effectRef idx="0">
+            <a:schemeClr val="accent1"/>
+          </a:effectRef>
+          <a:fontRef idx="minor">
+            <a:schemeClr val="lt1"/>
+          </a:fontRef>
+        </p:style>
+        <p:txBody>
+          <a:bodyPr rtlCol="0" anchor="ctr"/>
+          <a:lstStyle/>
+          <a:p>
+            <a:pPr algn="ctr"/>
+            <a:endParaRPr lang="en-US"/>
+          </a:p>
+        </p:txBody>
+      </p:sp>
+      <p:sp>
+        <p:nvSpPr>
+          <p:cNvPr id="30" name="TextBox 29">
+            <a:extLst>
+              <a:ext uri="{FF2B5EF4-FFF2-40B4-BE49-F238E27FC236}">
+                <a16:creationId xmlns:a16="http://schemas.microsoft.com/office/drawing/2014/main" id="{FC9F7D60-FCE3-4072-A6B4-A41E11B33390}"/>
+              </a:ext>
+            </a:extLst>
+          </p:cNvPr>
+          <p:cNvSpPr txBox="1"/>
+          <p:nvPr/>
+        </p:nvSpPr>
+        <p:spPr>
+          <a:xfrm>
+            <a:off x="2077567" y="2809767"/>
+            <a:ext cx="719941" cy="307777"/>
+          </a:xfrm>
+          <a:prstGeom prst="rect">
+            <a:avLst/>
+          </a:prstGeom>
+          <a:noFill/>
+        </p:spPr>
+        <p:txBody>
+          <a:bodyPr wrap="none" rtlCol="0">
+            <a:spAutoFit/>
+          </a:bodyPr>
+          <a:lstStyle/>
+          <a:p>
+            <a:r>
+              <a:rPr lang="en-US" sz="1400" b="1" dirty="0">
+                <a:solidFill>
+                  <a:schemeClr val="bg1"/>
+                </a:solidFill>
+              </a:rPr>
+              <a:t>ASSESS</a:t>
+            </a:r>
+          </a:p>
+        </p:txBody>
+      </p:sp>
+      <p:sp>
+        <p:nvSpPr>
+          <p:cNvPr id="58" name="TextBox 57">
+            <a:extLst>
+              <a:ext uri="{FF2B5EF4-FFF2-40B4-BE49-F238E27FC236}">
+                <a16:creationId xmlns:a16="http://schemas.microsoft.com/office/drawing/2014/main" id="{67297353-EE6B-4B21-87A8-CDF9C5E8A416}"/>
+              </a:ext>
+            </a:extLst>
+          </p:cNvPr>
+          <p:cNvSpPr txBox="1"/>
+          <p:nvPr/>
+        </p:nvSpPr>
+        <p:spPr>
+          <a:xfrm>
+            <a:off x="3090987" y="934499"/>
+            <a:ext cx="1223428" cy="1015663"/>
+          </a:xfrm>
+          <a:prstGeom prst="rect">
+            <a:avLst/>
+          </a:prstGeom>
+          <a:noFill/>
+        </p:spPr>
+        <p:txBody>
+          <a:bodyPr wrap="square" rtlCol="0">
+            <a:spAutoFit/>
+          </a:bodyPr>
+          <a:lstStyle/>
+          <a:p>
+            <a:r>
+              <a:rPr lang="en-US" sz="1200" dirty="0">
+                <a:solidFill>
+                  <a:schemeClr val="accent2">
+                    <a:lumMod val="75000"/>
+                  </a:schemeClr>
+                </a:solidFill>
+              </a:rPr>
+              <a:t>Basic maps</a:t>
+            </a:r>
+          </a:p>
+          <a:p>
+            <a:r>
+              <a:rPr lang="en-US" sz="1200" dirty="0">
+                <a:solidFill>
+                  <a:schemeClr val="accent2">
+                    <a:lumMod val="75000"/>
+                  </a:schemeClr>
+                </a:solidFill>
+              </a:rPr>
+              <a:t>Generic topics</a:t>
+            </a:r>
+          </a:p>
+          <a:p>
+            <a:r>
+              <a:rPr lang="en-US" sz="1200" dirty="0">
+                <a:solidFill>
+                  <a:schemeClr val="accent2">
+                    <a:lumMod val="75000"/>
+                  </a:schemeClr>
+                </a:solidFill>
+              </a:rPr>
+              <a:t>Task topics</a:t>
+            </a:r>
+          </a:p>
+          <a:p>
+            <a:r>
+              <a:rPr lang="en-US" sz="1200" dirty="0">
+                <a:solidFill>
+                  <a:schemeClr val="accent2">
+                    <a:lumMod val="75000"/>
+                  </a:schemeClr>
+                </a:solidFill>
+              </a:rPr>
+              <a:t>Default PDF </a:t>
+            </a:r>
+          </a:p>
+          <a:p>
+            <a:r>
+              <a:rPr lang="en-US" sz="1200" dirty="0">
+                <a:solidFill>
+                  <a:schemeClr val="accent2">
+                    <a:lumMod val="75000"/>
+                  </a:schemeClr>
+                </a:solidFill>
+              </a:rPr>
+              <a:t>Default HTML5</a:t>
+            </a:r>
+          </a:p>
+        </p:txBody>
+      </p:sp>
+      <p:sp>
+        <p:nvSpPr>
+          <p:cNvPr id="59" name="TextBox 58">
+            <a:extLst>
+              <a:ext uri="{FF2B5EF4-FFF2-40B4-BE49-F238E27FC236}">
+                <a16:creationId xmlns:a16="http://schemas.microsoft.com/office/drawing/2014/main" id="{511E2BEB-0ABE-4C36-889F-F1DBE533C4E6}"/>
+              </a:ext>
+            </a:extLst>
+          </p:cNvPr>
+          <p:cNvSpPr txBox="1"/>
+          <p:nvPr/>
+        </p:nvSpPr>
+        <p:spPr>
+          <a:xfrm>
+            <a:off x="1572643" y="948261"/>
+            <a:ext cx="1291299" cy="1015663"/>
+          </a:xfrm>
+          <a:prstGeom prst="rect">
+            <a:avLst/>
+          </a:prstGeom>
+          <a:noFill/>
+        </p:spPr>
+        <p:txBody>
+          <a:bodyPr wrap="square" rtlCol="0">
+            <a:spAutoFit/>
+          </a:bodyPr>
+          <a:lstStyle/>
+          <a:p>
+            <a:r>
+              <a:rPr lang="en-US" sz="1200" dirty="0">
+                <a:solidFill>
+                  <a:srgbClr val="0070C0"/>
+                </a:solidFill>
+              </a:rPr>
+              <a:t>Content audit</a:t>
+            </a:r>
+          </a:p>
+          <a:p>
+            <a:r>
+              <a:rPr lang="en-US" sz="1200" dirty="0">
+                <a:solidFill>
+                  <a:srgbClr val="0070C0"/>
+                </a:solidFill>
+              </a:rPr>
+              <a:t>Conversion plan</a:t>
+            </a:r>
+          </a:p>
+          <a:p>
+            <a:r>
+              <a:rPr lang="en-US" sz="1200" dirty="0">
+                <a:solidFill>
+                  <a:srgbClr val="0070C0"/>
+                </a:solidFill>
+              </a:rPr>
+              <a:t>SVN/GIT repo</a:t>
+            </a:r>
+          </a:p>
+          <a:p>
+            <a:r>
+              <a:rPr lang="en-US" sz="1200" dirty="0">
+                <a:solidFill>
+                  <a:srgbClr val="0070C0"/>
+                </a:solidFill>
+              </a:rPr>
+              <a:t>DITA boot camp</a:t>
+            </a:r>
+          </a:p>
+          <a:p>
+            <a:r>
+              <a:rPr lang="en-US" sz="1200" dirty="0">
+                <a:solidFill>
+                  <a:srgbClr val="0070C0"/>
+                </a:solidFill>
+              </a:rPr>
+              <a:t>Automated builds</a:t>
+            </a:r>
+          </a:p>
+        </p:txBody>
+      </p:sp>
+      <p:sp>
+        <p:nvSpPr>
+          <p:cNvPr id="60" name="TextBox 59">
+            <a:extLst>
+              <a:ext uri="{FF2B5EF4-FFF2-40B4-BE49-F238E27FC236}">
+                <a16:creationId xmlns:a16="http://schemas.microsoft.com/office/drawing/2014/main" id="{A36D99D8-EF5D-4D65-8DCE-B128B72653A1}"/>
+              </a:ext>
+            </a:extLst>
+          </p:cNvPr>
+          <p:cNvSpPr txBox="1"/>
+          <p:nvPr/>
+        </p:nvSpPr>
+        <p:spPr>
+          <a:xfrm>
+            <a:off x="4559006" y="937609"/>
+            <a:ext cx="1306289" cy="1015663"/>
+          </a:xfrm>
+          <a:prstGeom prst="rect">
+            <a:avLst/>
+          </a:prstGeom>
+          <a:noFill/>
+        </p:spPr>
+        <p:txBody>
+          <a:bodyPr wrap="square" rtlCol="0">
+            <a:spAutoFit/>
+          </a:bodyPr>
+          <a:lstStyle/>
+          <a:p>
+            <a:r>
+              <a:rPr lang="en-US" sz="1200" dirty="0">
+                <a:solidFill>
+                  <a:schemeClr val="bg1">
+                    <a:lumMod val="50000"/>
+                  </a:schemeClr>
+                </a:solidFill>
+              </a:rPr>
+              <a:t>Branding</a:t>
+            </a:r>
+          </a:p>
+          <a:p>
+            <a:r>
+              <a:rPr lang="en-US" sz="1200" dirty="0">
+                <a:solidFill>
+                  <a:schemeClr val="bg1">
+                    <a:lumMod val="50000"/>
+                  </a:schemeClr>
+                </a:solidFill>
+              </a:rPr>
+              <a:t>Basic keys</a:t>
+            </a:r>
+          </a:p>
+          <a:p>
+            <a:r>
+              <a:rPr lang="en-US" sz="1200" dirty="0">
+                <a:solidFill>
+                  <a:schemeClr val="bg1">
+                    <a:lumMod val="50000"/>
+                  </a:schemeClr>
+                </a:solidFill>
+              </a:rPr>
+              <a:t>Concept topics</a:t>
+            </a:r>
+          </a:p>
+          <a:p>
+            <a:r>
+              <a:rPr lang="en-US" sz="1200" dirty="0">
+                <a:solidFill>
+                  <a:schemeClr val="bg1">
+                    <a:lumMod val="50000"/>
+                  </a:schemeClr>
+                </a:solidFill>
+              </a:rPr>
+              <a:t>Short descriptions HTML5 Help</a:t>
+            </a:r>
+          </a:p>
+        </p:txBody>
+      </p:sp>
+      <p:sp>
+        <p:nvSpPr>
+          <p:cNvPr id="61" name="TextBox 60">
+            <a:extLst>
+              <a:ext uri="{FF2B5EF4-FFF2-40B4-BE49-F238E27FC236}">
+                <a16:creationId xmlns:a16="http://schemas.microsoft.com/office/drawing/2014/main" id="{0AB5D5D1-5E93-46C5-A84B-D8B7A5455F51}"/>
+              </a:ext>
+            </a:extLst>
+          </p:cNvPr>
+          <p:cNvSpPr txBox="1"/>
+          <p:nvPr/>
+        </p:nvSpPr>
+        <p:spPr>
+          <a:xfrm>
+            <a:off x="6083010" y="931382"/>
+            <a:ext cx="1306285" cy="1200329"/>
+          </a:xfrm>
+          <a:prstGeom prst="rect">
+            <a:avLst/>
+          </a:prstGeom>
+          <a:noFill/>
+        </p:spPr>
+        <p:txBody>
+          <a:bodyPr wrap="square" rtlCol="0">
+            <a:spAutoFit/>
+          </a:bodyPr>
+          <a:lstStyle/>
+          <a:p>
+            <a:r>
+              <a:rPr lang="en-US" sz="1200" dirty="0">
+                <a:solidFill>
+                  <a:schemeClr val="accent6">
+                    <a:lumMod val="75000"/>
+                  </a:schemeClr>
+                </a:solidFill>
+              </a:rPr>
+              <a:t>Conditions</a:t>
+            </a:r>
+          </a:p>
+          <a:p>
+            <a:r>
+              <a:rPr lang="en-US" sz="1200" dirty="0">
+                <a:solidFill>
+                  <a:schemeClr val="accent6">
+                    <a:lumMod val="75000"/>
+                  </a:schemeClr>
+                </a:solidFill>
+              </a:rPr>
+              <a:t>Metadata</a:t>
+            </a:r>
+          </a:p>
+          <a:p>
+            <a:r>
+              <a:rPr lang="en-US" sz="1200" dirty="0">
+                <a:solidFill>
+                  <a:schemeClr val="accent6">
+                    <a:lumMod val="75000"/>
+                  </a:schemeClr>
+                </a:solidFill>
+              </a:rPr>
+              <a:t>Markdown topics</a:t>
+            </a:r>
+          </a:p>
+          <a:p>
+            <a:r>
+              <a:rPr lang="en-US" sz="1200" dirty="0">
+                <a:solidFill>
+                  <a:schemeClr val="accent6">
+                    <a:lumMod val="75000"/>
+                  </a:schemeClr>
+                </a:solidFill>
+              </a:rPr>
+              <a:t>Content libraries</a:t>
+            </a:r>
+          </a:p>
+          <a:p>
+            <a:r>
+              <a:rPr lang="en-US" sz="1200" dirty="0">
+                <a:solidFill>
+                  <a:schemeClr val="accent6">
+                    <a:lumMod val="75000"/>
+                  </a:schemeClr>
+                </a:solidFill>
+              </a:rPr>
+              <a:t>Branded PDF</a:t>
+            </a:r>
+          </a:p>
+          <a:p>
+            <a:endParaRPr lang="en-US" sz="1200" dirty="0"/>
+          </a:p>
+        </p:txBody>
+      </p:sp>
+    </p:spTree>
+    <p:extLst>
+      <p:ext uri="{BB962C8B-B14F-4D97-AF65-F5344CB8AC3E}">
+        <p14:creationId xmlns:p14="http://schemas.microsoft.com/office/powerpoint/2010/main" val="156553644"/>
+      </p:ext>
+    </p:extLst>
+  </p:cSld>
+  <p:clrMapOvr>
+    <a:masterClrMapping/>
+  </p:clrMapOvr>
+</p:sld>
+</file>
+
+<file path=ppt/slides/slide14.xml><?xml version="1.0" encoding="utf-8"?>
+<p:sld xmlns:a="http://schemas.openxmlformats.org/drawingml/2006/main" xmlns:r="http://schemas.openxmlformats.org/officeDocument/2006/relationships" xmlns:p="http://schemas.openxmlformats.org/presentationml/2006/main">
+  <p:cSld>
+    <p:spTree>
+      <p:nvGrpSpPr>
+        <p:cNvPr id="1" name=""/>
+        <p:cNvGrpSpPr/>
+        <p:nvPr/>
+      </p:nvGrpSpPr>
+      <p:grpSpPr>
+        <a:xfrm>
+          <a:off x="0" y="0"/>
+          <a:ext cx="0" cy="0"/>
+          <a:chOff x="0" y="0"/>
+          <a:chExt cx="0" cy="0"/>
+        </a:xfrm>
+      </p:grpSpPr>
+      <p:cxnSp>
+        <p:nvCxnSpPr>
+          <p:cNvPr id="3" name="Straight Arrow Connector 2">
+            <a:extLst>
+              <a:ext uri="{FF2B5EF4-FFF2-40B4-BE49-F238E27FC236}">
+                <a16:creationId xmlns:a16="http://schemas.microsoft.com/office/drawing/2014/main" id="{A33475AC-10E8-4060-A6C1-2A22B1121CBE}"/>
+              </a:ext>
+            </a:extLst>
+          </p:cNvPr>
+          <p:cNvCxnSpPr>
+            <a:cxnSpLocks/>
+          </p:cNvCxnSpPr>
+          <p:nvPr/>
+        </p:nvCxnSpPr>
+        <p:spPr>
+          <a:xfrm>
+            <a:off x="1446246" y="755780"/>
+            <a:ext cx="5952930" cy="0"/>
+          </a:xfrm>
+          <a:prstGeom prst="straightConnector1">
+            <a:avLst/>
+          </a:prstGeom>
+          <a:ln>
+            <a:tailEnd type="triangle"/>
+          </a:ln>
+        </p:spPr>
+        <p:style>
+          <a:lnRef idx="1">
+            <a:schemeClr val="accent1"/>
+          </a:lnRef>
+          <a:fillRef idx="0">
+            <a:schemeClr val="accent1"/>
+          </a:fillRef>
+          <a:effectRef idx="0">
+            <a:schemeClr val="accent1"/>
+          </a:effectRef>
+          <a:fontRef idx="minor">
+            <a:schemeClr val="tx1"/>
+          </a:fontRef>
+        </p:style>
+      </p:cxnSp>
+      <p:cxnSp>
+        <p:nvCxnSpPr>
+          <p:cNvPr id="6" name="Straight Connector 5">
+            <a:extLst>
+              <a:ext uri="{FF2B5EF4-FFF2-40B4-BE49-F238E27FC236}">
+                <a16:creationId xmlns:a16="http://schemas.microsoft.com/office/drawing/2014/main" id="{B050316D-43D6-443B-AE2F-65299CFB4C11}"/>
+              </a:ext>
+            </a:extLst>
+          </p:cNvPr>
+          <p:cNvCxnSpPr/>
+          <p:nvPr/>
+        </p:nvCxnSpPr>
+        <p:spPr>
+          <a:xfrm>
+            <a:off x="5850294" y="643812"/>
+            <a:ext cx="0" cy="233266"/>
+          </a:xfrm>
+          <a:prstGeom prst="line">
+            <a:avLst/>
+          </a:prstGeom>
+        </p:spPr>
+        <p:style>
+          <a:lnRef idx="1">
+            <a:schemeClr val="accent1"/>
+          </a:lnRef>
+          <a:fillRef idx="0">
+            <a:schemeClr val="accent1"/>
+          </a:fillRef>
+          <a:effectRef idx="0">
+            <a:schemeClr val="accent1"/>
+          </a:effectRef>
+          <a:fontRef idx="minor">
+            <a:schemeClr val="tx1"/>
+          </a:fontRef>
+        </p:style>
+      </p:cxnSp>
+      <p:cxnSp>
+        <p:nvCxnSpPr>
+          <p:cNvPr id="7" name="Straight Connector 6">
+            <a:extLst>
+              <a:ext uri="{FF2B5EF4-FFF2-40B4-BE49-F238E27FC236}">
+                <a16:creationId xmlns:a16="http://schemas.microsoft.com/office/drawing/2014/main" id="{5C158088-C0E4-4870-8528-81201333AC7A}"/>
+              </a:ext>
+            </a:extLst>
+          </p:cNvPr>
+          <p:cNvCxnSpPr/>
+          <p:nvPr/>
+        </p:nvCxnSpPr>
+        <p:spPr>
+          <a:xfrm>
+            <a:off x="7243666" y="634481"/>
+            <a:ext cx="0" cy="233266"/>
+          </a:xfrm>
+          <a:prstGeom prst="line">
+            <a:avLst/>
+          </a:prstGeom>
+        </p:spPr>
+        <p:style>
+          <a:lnRef idx="1">
+            <a:schemeClr val="accent1"/>
+          </a:lnRef>
+          <a:fillRef idx="0">
+            <a:schemeClr val="accent1"/>
+          </a:fillRef>
+          <a:effectRef idx="0">
+            <a:schemeClr val="accent1"/>
+          </a:effectRef>
+          <a:fontRef idx="minor">
+            <a:schemeClr val="tx1"/>
+          </a:fontRef>
+        </p:style>
+      </p:cxnSp>
+      <p:cxnSp>
+        <p:nvCxnSpPr>
+          <p:cNvPr id="8" name="Straight Connector 7">
+            <a:extLst>
+              <a:ext uri="{FF2B5EF4-FFF2-40B4-BE49-F238E27FC236}">
+                <a16:creationId xmlns:a16="http://schemas.microsoft.com/office/drawing/2014/main" id="{49AC98D7-7782-49B8-985F-81CAE8F0447C}"/>
+              </a:ext>
+            </a:extLst>
+          </p:cNvPr>
+          <p:cNvCxnSpPr/>
+          <p:nvPr/>
+        </p:nvCxnSpPr>
+        <p:spPr>
+          <a:xfrm>
+            <a:off x="1449356" y="643812"/>
+            <a:ext cx="0" cy="233266"/>
+          </a:xfrm>
+          <a:prstGeom prst="line">
+            <a:avLst/>
+          </a:prstGeom>
+        </p:spPr>
+        <p:style>
+          <a:lnRef idx="1">
+            <a:schemeClr val="accent1"/>
+          </a:lnRef>
+          <a:fillRef idx="0">
+            <a:schemeClr val="accent1"/>
+          </a:fillRef>
+          <a:effectRef idx="0">
+            <a:schemeClr val="accent1"/>
+          </a:effectRef>
+          <a:fontRef idx="minor">
+            <a:schemeClr val="tx1"/>
+          </a:fontRef>
+        </p:style>
+      </p:cxnSp>
+      <p:cxnSp>
+        <p:nvCxnSpPr>
+          <p:cNvPr id="9" name="Straight Connector 8">
+            <a:extLst>
+              <a:ext uri="{FF2B5EF4-FFF2-40B4-BE49-F238E27FC236}">
+                <a16:creationId xmlns:a16="http://schemas.microsoft.com/office/drawing/2014/main" id="{BA6938BD-96CE-42FF-8752-903859B25E80}"/>
+              </a:ext>
+            </a:extLst>
+          </p:cNvPr>
+          <p:cNvCxnSpPr/>
+          <p:nvPr/>
+        </p:nvCxnSpPr>
+        <p:spPr>
+          <a:xfrm>
+            <a:off x="2842727" y="625151"/>
+            <a:ext cx="0" cy="233266"/>
+          </a:xfrm>
+          <a:prstGeom prst="line">
+            <a:avLst/>
+          </a:prstGeom>
+        </p:spPr>
+        <p:style>
+          <a:lnRef idx="1">
+            <a:schemeClr val="accent1"/>
+          </a:lnRef>
+          <a:fillRef idx="0">
+            <a:schemeClr val="accent1"/>
+          </a:fillRef>
+          <a:effectRef idx="0">
+            <a:schemeClr val="accent1"/>
+          </a:effectRef>
+          <a:fontRef idx="minor">
+            <a:schemeClr val="tx1"/>
+          </a:fontRef>
+        </p:style>
+      </p:cxnSp>
+      <p:cxnSp>
+        <p:nvCxnSpPr>
+          <p:cNvPr id="10" name="Straight Connector 9">
+            <a:extLst>
+              <a:ext uri="{FF2B5EF4-FFF2-40B4-BE49-F238E27FC236}">
+                <a16:creationId xmlns:a16="http://schemas.microsoft.com/office/drawing/2014/main" id="{388EC377-8DA5-456A-9F7F-23B7F86B8C1E}"/>
+              </a:ext>
+            </a:extLst>
+          </p:cNvPr>
+          <p:cNvCxnSpPr/>
+          <p:nvPr/>
+        </p:nvCxnSpPr>
+        <p:spPr>
+          <a:xfrm>
+            <a:off x="4360506" y="643812"/>
+            <a:ext cx="0" cy="233266"/>
+          </a:xfrm>
+          <a:prstGeom prst="line">
+            <a:avLst/>
+          </a:prstGeom>
+        </p:spPr>
+        <p:style>
+          <a:lnRef idx="1">
+            <a:schemeClr val="accent1"/>
+          </a:lnRef>
+          <a:fillRef idx="0">
+            <a:schemeClr val="accent1"/>
+          </a:fillRef>
+          <a:effectRef idx="0">
+            <a:schemeClr val="accent1"/>
+          </a:effectRef>
+          <a:fontRef idx="minor">
+            <a:schemeClr val="tx1"/>
+          </a:fontRef>
+        </p:style>
+      </p:cxnSp>
+      <p:sp>
+        <p:nvSpPr>
+          <p:cNvPr id="11" name="TextBox 10">
+            <a:extLst>
+              <a:ext uri="{FF2B5EF4-FFF2-40B4-BE49-F238E27FC236}">
+                <a16:creationId xmlns:a16="http://schemas.microsoft.com/office/drawing/2014/main" id="{71EDF740-24B4-47D2-8D35-7211D67075CE}"/>
+              </a:ext>
+            </a:extLst>
+          </p:cNvPr>
+          <p:cNvSpPr txBox="1"/>
+          <p:nvPr/>
+        </p:nvSpPr>
+        <p:spPr>
+          <a:xfrm>
+            <a:off x="1796143" y="533305"/>
+            <a:ext cx="765108" cy="276999"/>
+          </a:xfrm>
+          <a:prstGeom prst="rect">
+            <a:avLst/>
+          </a:prstGeom>
+          <a:noFill/>
+        </p:spPr>
+        <p:txBody>
+          <a:bodyPr wrap="square" rtlCol="0">
+            <a:spAutoFit/>
+          </a:bodyPr>
+          <a:lstStyle/>
+          <a:p>
+            <a:r>
+              <a:rPr lang="en-US" sz="1200" b="1" dirty="0">
+                <a:solidFill>
+                  <a:srgbClr val="0070C0"/>
+                </a:solidFill>
+              </a:rPr>
+              <a:t>PHASE 1</a:t>
+            </a:r>
+          </a:p>
+        </p:txBody>
+      </p:sp>
+      <p:sp>
+        <p:nvSpPr>
+          <p:cNvPr id="12" name="TextBox 11">
+            <a:extLst>
+              <a:ext uri="{FF2B5EF4-FFF2-40B4-BE49-F238E27FC236}">
+                <a16:creationId xmlns:a16="http://schemas.microsoft.com/office/drawing/2014/main" id="{A8F64B93-F4CF-41A6-8781-189F15D05DEB}"/>
+              </a:ext>
+            </a:extLst>
+          </p:cNvPr>
+          <p:cNvSpPr txBox="1"/>
+          <p:nvPr/>
+        </p:nvSpPr>
+        <p:spPr>
+          <a:xfrm>
+            <a:off x="1810141" y="634481"/>
+            <a:ext cx="755778" cy="369332"/>
+          </a:xfrm>
+          <a:prstGeom prst="rect">
+            <a:avLst/>
+          </a:prstGeom>
+          <a:noFill/>
+        </p:spPr>
+        <p:txBody>
+          <a:bodyPr wrap="square" rtlCol="0">
+            <a:spAutoFit/>
+          </a:bodyPr>
+          <a:lstStyle/>
+          <a:p>
+            <a:r>
+              <a:rPr lang="en-US" sz="1200" b="1" i="1" dirty="0">
+                <a:solidFill>
+                  <a:srgbClr val="0070C0"/>
+                </a:solidFill>
+              </a:rPr>
+              <a:t>x</a:t>
+            </a:r>
+            <a:r>
+              <a:rPr lang="en-US" sz="1200" b="1" dirty="0">
+                <a:solidFill>
+                  <a:srgbClr val="0070C0"/>
+                </a:solidFill>
+              </a:rPr>
+              <a:t> weeks</a:t>
+            </a:r>
+            <a:r>
+              <a:rPr lang="en-US" dirty="0">
+                <a:solidFill>
+                  <a:srgbClr val="0070C0"/>
+                </a:solidFill>
+              </a:rPr>
+              <a:t> </a:t>
+            </a:r>
+          </a:p>
+        </p:txBody>
+      </p:sp>
+      <p:sp>
+        <p:nvSpPr>
+          <p:cNvPr id="13" name="TextBox 12">
+            <a:extLst>
+              <a:ext uri="{FF2B5EF4-FFF2-40B4-BE49-F238E27FC236}">
+                <a16:creationId xmlns:a16="http://schemas.microsoft.com/office/drawing/2014/main" id="{017D987E-8A71-4F16-BD25-F9C7D9B411D8}"/>
+              </a:ext>
+            </a:extLst>
+          </p:cNvPr>
+          <p:cNvSpPr txBox="1"/>
+          <p:nvPr/>
+        </p:nvSpPr>
+        <p:spPr>
+          <a:xfrm>
+            <a:off x="3254828" y="527082"/>
+            <a:ext cx="765108" cy="276999"/>
+          </a:xfrm>
+          <a:prstGeom prst="rect">
+            <a:avLst/>
+          </a:prstGeom>
+          <a:noFill/>
+        </p:spPr>
+        <p:txBody>
+          <a:bodyPr wrap="square" rtlCol="0">
+            <a:spAutoFit/>
+          </a:bodyPr>
+          <a:lstStyle/>
+          <a:p>
+            <a:r>
+              <a:rPr lang="en-US" sz="1200" b="1" dirty="0">
+                <a:solidFill>
+                  <a:schemeClr val="accent2">
+                    <a:lumMod val="75000"/>
+                  </a:schemeClr>
+                </a:solidFill>
+              </a:rPr>
+              <a:t>PHASE 2</a:t>
+            </a:r>
+          </a:p>
+        </p:txBody>
+      </p:sp>
+      <p:sp>
+        <p:nvSpPr>
+          <p:cNvPr id="14" name="TextBox 13">
+            <a:extLst>
+              <a:ext uri="{FF2B5EF4-FFF2-40B4-BE49-F238E27FC236}">
+                <a16:creationId xmlns:a16="http://schemas.microsoft.com/office/drawing/2014/main" id="{D1DBCEB5-F297-4FCB-9A15-F24EE646FBFF}"/>
+              </a:ext>
+            </a:extLst>
+          </p:cNvPr>
+          <p:cNvSpPr txBox="1"/>
+          <p:nvPr/>
+        </p:nvSpPr>
+        <p:spPr>
+          <a:xfrm>
+            <a:off x="3268826" y="628258"/>
+            <a:ext cx="755778" cy="369332"/>
+          </a:xfrm>
+          <a:prstGeom prst="rect">
+            <a:avLst/>
+          </a:prstGeom>
+          <a:noFill/>
+        </p:spPr>
+        <p:txBody>
+          <a:bodyPr wrap="square" rtlCol="0">
+            <a:spAutoFit/>
+          </a:bodyPr>
+          <a:lstStyle/>
+          <a:p>
+            <a:r>
+              <a:rPr lang="en-US" sz="1200" b="1" i="1" dirty="0">
+                <a:solidFill>
+                  <a:schemeClr val="accent2">
+                    <a:lumMod val="75000"/>
+                  </a:schemeClr>
+                </a:solidFill>
+              </a:rPr>
+              <a:t>x</a:t>
+            </a:r>
+            <a:r>
+              <a:rPr lang="en-US" sz="1200" b="1" dirty="0">
+                <a:solidFill>
+                  <a:schemeClr val="accent2">
+                    <a:lumMod val="75000"/>
+                  </a:schemeClr>
+                </a:solidFill>
+              </a:rPr>
+              <a:t> weeks</a:t>
+            </a:r>
+            <a:r>
+              <a:rPr lang="en-US" dirty="0">
+                <a:solidFill>
+                  <a:srgbClr val="0070C0"/>
+                </a:solidFill>
+              </a:rPr>
+              <a:t> </a:t>
+            </a:r>
+          </a:p>
+        </p:txBody>
+      </p:sp>
+      <p:sp>
+        <p:nvSpPr>
+          <p:cNvPr id="15" name="TextBox 14">
+            <a:extLst>
+              <a:ext uri="{FF2B5EF4-FFF2-40B4-BE49-F238E27FC236}">
+                <a16:creationId xmlns:a16="http://schemas.microsoft.com/office/drawing/2014/main" id="{4F3A21AC-2DE4-4C55-8430-F7755F4D0F38}"/>
+              </a:ext>
+            </a:extLst>
+          </p:cNvPr>
+          <p:cNvSpPr txBox="1"/>
+          <p:nvPr/>
+        </p:nvSpPr>
+        <p:spPr>
+          <a:xfrm>
+            <a:off x="4788161" y="520860"/>
+            <a:ext cx="765108" cy="276999"/>
+          </a:xfrm>
+          <a:prstGeom prst="rect">
+            <a:avLst/>
+          </a:prstGeom>
+          <a:noFill/>
+        </p:spPr>
+        <p:txBody>
+          <a:bodyPr wrap="square" rtlCol="0">
+            <a:spAutoFit/>
+          </a:bodyPr>
+          <a:lstStyle/>
+          <a:p>
+            <a:r>
+              <a:rPr lang="en-US" sz="1200" b="1" dirty="0">
+                <a:solidFill>
+                  <a:schemeClr val="bg1">
+                    <a:lumMod val="50000"/>
+                  </a:schemeClr>
+                </a:solidFill>
+              </a:rPr>
+              <a:t>PHASE 3</a:t>
+            </a:r>
+          </a:p>
+        </p:txBody>
+      </p:sp>
+      <p:sp>
+        <p:nvSpPr>
+          <p:cNvPr id="16" name="TextBox 15">
+            <a:extLst>
+              <a:ext uri="{FF2B5EF4-FFF2-40B4-BE49-F238E27FC236}">
+                <a16:creationId xmlns:a16="http://schemas.microsoft.com/office/drawing/2014/main" id="{E33998E8-257E-436C-ACF3-7EBAE818B337}"/>
+              </a:ext>
+            </a:extLst>
+          </p:cNvPr>
+          <p:cNvSpPr txBox="1"/>
+          <p:nvPr/>
+        </p:nvSpPr>
+        <p:spPr>
+          <a:xfrm>
+            <a:off x="4802159" y="622036"/>
+            <a:ext cx="755778" cy="369332"/>
+          </a:xfrm>
+          <a:prstGeom prst="rect">
+            <a:avLst/>
+          </a:prstGeom>
+          <a:noFill/>
+        </p:spPr>
+        <p:txBody>
+          <a:bodyPr wrap="square" rtlCol="0">
+            <a:spAutoFit/>
+          </a:bodyPr>
+          <a:lstStyle/>
+          <a:p>
+            <a:r>
+              <a:rPr lang="en-US" sz="1200" b="1" i="1" dirty="0">
+                <a:solidFill>
+                  <a:schemeClr val="bg1">
+                    <a:lumMod val="50000"/>
+                  </a:schemeClr>
+                </a:solidFill>
+              </a:rPr>
+              <a:t>x</a:t>
+            </a:r>
+            <a:r>
+              <a:rPr lang="en-US" sz="1200" b="1" dirty="0">
+                <a:solidFill>
+                  <a:schemeClr val="bg1">
+                    <a:lumMod val="50000"/>
+                  </a:schemeClr>
+                </a:solidFill>
+              </a:rPr>
+              <a:t> weeks</a:t>
+            </a:r>
+            <a:r>
+              <a:rPr lang="en-US" dirty="0">
+                <a:solidFill>
+                  <a:srgbClr val="0070C0"/>
+                </a:solidFill>
+              </a:rPr>
+              <a:t> </a:t>
+            </a:r>
+          </a:p>
+        </p:txBody>
+      </p:sp>
+      <p:sp>
+        <p:nvSpPr>
+          <p:cNvPr id="17" name="TextBox 16">
+            <a:extLst>
+              <a:ext uri="{FF2B5EF4-FFF2-40B4-BE49-F238E27FC236}">
+                <a16:creationId xmlns:a16="http://schemas.microsoft.com/office/drawing/2014/main" id="{2C126F38-98A6-4A90-9C35-330963C49B9D}"/>
+              </a:ext>
+            </a:extLst>
+          </p:cNvPr>
+          <p:cNvSpPr txBox="1"/>
+          <p:nvPr/>
+        </p:nvSpPr>
+        <p:spPr>
+          <a:xfrm>
+            <a:off x="6302832" y="523968"/>
+            <a:ext cx="765108" cy="276999"/>
+          </a:xfrm>
+          <a:prstGeom prst="rect">
+            <a:avLst/>
+          </a:prstGeom>
+          <a:noFill/>
+        </p:spPr>
+        <p:txBody>
+          <a:bodyPr wrap="square" rtlCol="0">
+            <a:spAutoFit/>
+          </a:bodyPr>
+          <a:lstStyle/>
+          <a:p>
+            <a:r>
+              <a:rPr lang="en-US" sz="1200" b="1" dirty="0">
+                <a:solidFill>
+                  <a:schemeClr val="accent6">
+                    <a:lumMod val="75000"/>
+                  </a:schemeClr>
+                </a:solidFill>
+              </a:rPr>
+              <a:t>PHASE 4</a:t>
+            </a:r>
+          </a:p>
+        </p:txBody>
+      </p:sp>
+      <p:sp>
+        <p:nvSpPr>
+          <p:cNvPr id="18" name="TextBox 17">
+            <a:extLst>
+              <a:ext uri="{FF2B5EF4-FFF2-40B4-BE49-F238E27FC236}">
+                <a16:creationId xmlns:a16="http://schemas.microsoft.com/office/drawing/2014/main" id="{E277A3D5-7113-4D52-984D-D579D7F4B458}"/>
+              </a:ext>
+            </a:extLst>
+          </p:cNvPr>
+          <p:cNvSpPr txBox="1"/>
+          <p:nvPr/>
+        </p:nvSpPr>
+        <p:spPr>
+          <a:xfrm>
+            <a:off x="6316830" y="625144"/>
+            <a:ext cx="755778" cy="369332"/>
+          </a:xfrm>
+          <a:prstGeom prst="rect">
+            <a:avLst/>
+          </a:prstGeom>
+          <a:noFill/>
+        </p:spPr>
+        <p:txBody>
+          <a:bodyPr wrap="square" rtlCol="0">
+            <a:spAutoFit/>
+          </a:bodyPr>
+          <a:lstStyle/>
+          <a:p>
+            <a:r>
+              <a:rPr lang="en-US" sz="1200" b="1" i="1" dirty="0">
+                <a:solidFill>
+                  <a:schemeClr val="accent6">
+                    <a:lumMod val="75000"/>
+                  </a:schemeClr>
+                </a:solidFill>
+              </a:rPr>
+              <a:t>x</a:t>
+            </a:r>
+            <a:r>
+              <a:rPr lang="en-US" sz="1200" b="1" dirty="0">
+                <a:solidFill>
+                  <a:schemeClr val="accent6">
+                    <a:lumMod val="75000"/>
+                  </a:schemeClr>
+                </a:solidFill>
+              </a:rPr>
+              <a:t> weeks</a:t>
+            </a:r>
+            <a:r>
+              <a:rPr lang="en-US" dirty="0">
+                <a:solidFill>
+                  <a:srgbClr val="0070C0"/>
+                </a:solidFill>
+              </a:rPr>
+              <a:t> </a:t>
+            </a:r>
+          </a:p>
+        </p:txBody>
+      </p:sp>
+      <p:sp>
+        <p:nvSpPr>
+          <p:cNvPr id="19" name="Arrow: Pentagon 18">
+            <a:extLst>
+              <a:ext uri="{FF2B5EF4-FFF2-40B4-BE49-F238E27FC236}">
+                <a16:creationId xmlns:a16="http://schemas.microsoft.com/office/drawing/2014/main" id="{435C45B9-0618-4CFD-908E-36D91FEA2F19}"/>
+              </a:ext>
+            </a:extLst>
+          </p:cNvPr>
+          <p:cNvSpPr/>
+          <p:nvPr/>
+        </p:nvSpPr>
+        <p:spPr>
+          <a:xfrm>
+            <a:off x="752676" y="2079223"/>
+            <a:ext cx="1038806" cy="233267"/>
+          </a:xfrm>
+          <a:prstGeom prst="homePlate">
+            <a:avLst/>
+          </a:prstGeom>
+        </p:spPr>
+        <p:style>
+          <a:lnRef idx="2">
+            <a:schemeClr val="accent1">
+              <a:shade val="50000"/>
+            </a:schemeClr>
+          </a:lnRef>
+          <a:fillRef idx="1">
+            <a:schemeClr val="accent1"/>
+          </a:fillRef>
+          <a:effectRef idx="0">
+            <a:schemeClr val="accent1"/>
+          </a:effectRef>
+          <a:fontRef idx="minor">
+            <a:schemeClr val="lt1"/>
+          </a:fontRef>
+        </p:style>
+        <p:txBody>
+          <a:bodyPr rtlCol="0" anchor="ctr"/>
+          <a:lstStyle/>
+          <a:p>
+            <a:pPr algn="ctr"/>
+            <a:endParaRPr lang="en-US"/>
+          </a:p>
+        </p:txBody>
+      </p:sp>
+      <p:sp>
+        <p:nvSpPr>
+          <p:cNvPr id="20" name="TextBox 19">
+            <a:extLst>
+              <a:ext uri="{FF2B5EF4-FFF2-40B4-BE49-F238E27FC236}">
+                <a16:creationId xmlns:a16="http://schemas.microsoft.com/office/drawing/2014/main" id="{BB817AE8-AAF4-4DB2-9966-2E515BE583B2}"/>
+              </a:ext>
+            </a:extLst>
+          </p:cNvPr>
+          <p:cNvSpPr txBox="1"/>
+          <p:nvPr/>
+        </p:nvSpPr>
+        <p:spPr>
+          <a:xfrm>
+            <a:off x="957882" y="2035329"/>
+            <a:ext cx="583814" cy="307777"/>
+          </a:xfrm>
+          <a:prstGeom prst="rect">
+            <a:avLst/>
+          </a:prstGeom>
+          <a:noFill/>
+        </p:spPr>
+        <p:txBody>
+          <a:bodyPr wrap="none" rtlCol="0">
+            <a:spAutoFit/>
+          </a:bodyPr>
+          <a:lstStyle/>
+          <a:p>
+            <a:r>
+              <a:rPr lang="en-US" sz="1400" b="1" dirty="0">
+                <a:solidFill>
+                  <a:schemeClr val="bg1"/>
+                </a:solidFill>
+              </a:rPr>
+              <a:t>PLAN</a:t>
+            </a:r>
+          </a:p>
+        </p:txBody>
+      </p:sp>
+      <p:sp>
+        <p:nvSpPr>
+          <p:cNvPr id="25" name="Arrow: Pentagon 24">
+            <a:extLst>
+              <a:ext uri="{FF2B5EF4-FFF2-40B4-BE49-F238E27FC236}">
+                <a16:creationId xmlns:a16="http://schemas.microsoft.com/office/drawing/2014/main" id="{27CE8EE9-AAAA-4B89-BC38-9FA633F5D847}"/>
+              </a:ext>
+            </a:extLst>
+          </p:cNvPr>
+          <p:cNvSpPr/>
+          <p:nvPr/>
+        </p:nvSpPr>
+        <p:spPr>
+          <a:xfrm>
+            <a:off x="1212989" y="2334261"/>
+            <a:ext cx="1038806" cy="233267"/>
+          </a:xfrm>
+          <a:prstGeom prst="homePlate">
+            <a:avLst/>
+          </a:prstGeom>
+        </p:spPr>
+        <p:style>
+          <a:lnRef idx="2">
+            <a:schemeClr val="accent1">
+              <a:shade val="50000"/>
+            </a:schemeClr>
+          </a:lnRef>
+          <a:fillRef idx="1">
+            <a:schemeClr val="accent1"/>
+          </a:fillRef>
+          <a:effectRef idx="0">
+            <a:schemeClr val="accent1"/>
+          </a:effectRef>
+          <a:fontRef idx="minor">
+            <a:schemeClr val="lt1"/>
+          </a:fontRef>
+        </p:style>
+        <p:txBody>
+          <a:bodyPr rtlCol="0" anchor="ctr"/>
+          <a:lstStyle/>
+          <a:p>
+            <a:pPr algn="ctr"/>
+            <a:endParaRPr lang="en-US"/>
+          </a:p>
+        </p:txBody>
+      </p:sp>
+      <p:sp>
+        <p:nvSpPr>
+          <p:cNvPr id="26" name="TextBox 25">
+            <a:extLst>
+              <a:ext uri="{FF2B5EF4-FFF2-40B4-BE49-F238E27FC236}">
+                <a16:creationId xmlns:a16="http://schemas.microsoft.com/office/drawing/2014/main" id="{0C949433-B6FA-419A-B387-BCEA6D3319CC}"/>
+              </a:ext>
+            </a:extLst>
+          </p:cNvPr>
+          <p:cNvSpPr txBox="1"/>
+          <p:nvPr/>
+        </p:nvSpPr>
+        <p:spPr>
+          <a:xfrm>
+            <a:off x="1418195" y="2290367"/>
+            <a:ext cx="649537" cy="307777"/>
+          </a:xfrm>
+          <a:prstGeom prst="rect">
+            <a:avLst/>
+          </a:prstGeom>
+          <a:noFill/>
+        </p:spPr>
+        <p:txBody>
+          <a:bodyPr wrap="none" rtlCol="0">
+            <a:spAutoFit/>
+          </a:bodyPr>
+          <a:lstStyle/>
+          <a:p>
+            <a:r>
+              <a:rPr lang="en-US" sz="1400" b="1" dirty="0">
+                <a:solidFill>
+                  <a:schemeClr val="bg1"/>
+                </a:solidFill>
+              </a:rPr>
+              <a:t>TRAIN</a:t>
+            </a:r>
+          </a:p>
+        </p:txBody>
+      </p:sp>
+      <p:sp>
+        <p:nvSpPr>
+          <p:cNvPr id="27" name="Arrow: Pentagon 26">
+            <a:extLst>
+              <a:ext uri="{FF2B5EF4-FFF2-40B4-BE49-F238E27FC236}">
+                <a16:creationId xmlns:a16="http://schemas.microsoft.com/office/drawing/2014/main" id="{C2FF3722-2866-43D3-9FF7-776B29A5E605}"/>
+              </a:ext>
+            </a:extLst>
+          </p:cNvPr>
+          <p:cNvSpPr/>
+          <p:nvPr/>
+        </p:nvSpPr>
+        <p:spPr>
+          <a:xfrm>
+            <a:off x="1579998" y="2589297"/>
+            <a:ext cx="1038806" cy="233267"/>
+          </a:xfrm>
+          <a:prstGeom prst="homePlate">
+            <a:avLst/>
+          </a:prstGeom>
+        </p:spPr>
+        <p:style>
+          <a:lnRef idx="2">
+            <a:schemeClr val="accent1">
+              <a:shade val="50000"/>
+            </a:schemeClr>
+          </a:lnRef>
+          <a:fillRef idx="1">
+            <a:schemeClr val="accent1"/>
+          </a:fillRef>
+          <a:effectRef idx="0">
+            <a:schemeClr val="accent1"/>
+          </a:effectRef>
+          <a:fontRef idx="minor">
+            <a:schemeClr val="lt1"/>
+          </a:fontRef>
+        </p:style>
+        <p:txBody>
+          <a:bodyPr rtlCol="0" anchor="ctr"/>
+          <a:lstStyle/>
+          <a:p>
+            <a:pPr algn="ctr"/>
+            <a:endParaRPr lang="en-US"/>
+          </a:p>
+        </p:txBody>
+      </p:sp>
+      <p:sp>
+        <p:nvSpPr>
+          <p:cNvPr id="28" name="TextBox 27">
+            <a:extLst>
+              <a:ext uri="{FF2B5EF4-FFF2-40B4-BE49-F238E27FC236}">
+                <a16:creationId xmlns:a16="http://schemas.microsoft.com/office/drawing/2014/main" id="{724D6E6A-5891-48FC-9F73-FA4B7C54E7BE}"/>
+              </a:ext>
+            </a:extLst>
+          </p:cNvPr>
+          <p:cNvSpPr txBox="1"/>
+          <p:nvPr/>
+        </p:nvSpPr>
+        <p:spPr>
+          <a:xfrm>
+            <a:off x="1542606" y="2545403"/>
+            <a:ext cx="1101584" cy="307777"/>
+          </a:xfrm>
+          <a:prstGeom prst="rect">
+            <a:avLst/>
+          </a:prstGeom>
+          <a:noFill/>
+        </p:spPr>
+        <p:txBody>
+          <a:bodyPr wrap="none" rtlCol="0">
+            <a:spAutoFit/>
+          </a:bodyPr>
+          <a:lstStyle/>
+          <a:p>
+            <a:r>
+              <a:rPr lang="en-US" sz="1400" b="1" dirty="0">
+                <a:solidFill>
+                  <a:schemeClr val="bg1"/>
+                </a:solidFill>
+              </a:rPr>
+              <a:t>IMPLEMENT</a:t>
+            </a:r>
+          </a:p>
+        </p:txBody>
+      </p:sp>
+      <p:sp>
+        <p:nvSpPr>
+          <p:cNvPr id="29" name="Arrow: Pentagon 28">
+            <a:extLst>
+              <a:ext uri="{FF2B5EF4-FFF2-40B4-BE49-F238E27FC236}">
+                <a16:creationId xmlns:a16="http://schemas.microsoft.com/office/drawing/2014/main" id="{38E3A603-B37D-4654-BE3D-CB9112F0F63C}"/>
+              </a:ext>
+            </a:extLst>
+          </p:cNvPr>
+          <p:cNvSpPr/>
+          <p:nvPr/>
+        </p:nvSpPr>
+        <p:spPr>
+          <a:xfrm>
+            <a:off x="1909682" y="2853661"/>
+            <a:ext cx="1038806" cy="233267"/>
+          </a:xfrm>
+          <a:prstGeom prst="homePlate">
+            <a:avLst/>
+          </a:prstGeom>
+        </p:spPr>
+        <p:style>
+          <a:lnRef idx="2">
+            <a:schemeClr val="accent1">
+              <a:shade val="50000"/>
+            </a:schemeClr>
+          </a:lnRef>
+          <a:fillRef idx="1">
+            <a:schemeClr val="accent1"/>
+          </a:fillRef>
+          <a:effectRef idx="0">
+            <a:schemeClr val="accent1"/>
+          </a:effectRef>
+          <a:fontRef idx="minor">
+            <a:schemeClr val="lt1"/>
+          </a:fontRef>
+        </p:style>
+        <p:txBody>
+          <a:bodyPr rtlCol="0" anchor="ctr"/>
+          <a:lstStyle/>
+          <a:p>
+            <a:pPr algn="ctr"/>
+            <a:endParaRPr lang="en-US"/>
+          </a:p>
+        </p:txBody>
+      </p:sp>
+      <p:sp>
+        <p:nvSpPr>
+          <p:cNvPr id="30" name="TextBox 29">
+            <a:extLst>
+              <a:ext uri="{FF2B5EF4-FFF2-40B4-BE49-F238E27FC236}">
+                <a16:creationId xmlns:a16="http://schemas.microsoft.com/office/drawing/2014/main" id="{FC9F7D60-FCE3-4072-A6B4-A41E11B33390}"/>
+              </a:ext>
+            </a:extLst>
+          </p:cNvPr>
+          <p:cNvSpPr txBox="1"/>
+          <p:nvPr/>
+        </p:nvSpPr>
+        <p:spPr>
+          <a:xfrm>
+            <a:off x="2077567" y="2809767"/>
+            <a:ext cx="719941" cy="307777"/>
+          </a:xfrm>
+          <a:prstGeom prst="rect">
+            <a:avLst/>
+          </a:prstGeom>
+          <a:noFill/>
+        </p:spPr>
+        <p:txBody>
+          <a:bodyPr wrap="none" rtlCol="0">
+            <a:spAutoFit/>
+          </a:bodyPr>
+          <a:lstStyle/>
+          <a:p>
+            <a:r>
+              <a:rPr lang="en-US" sz="1400" b="1" dirty="0">
+                <a:solidFill>
+                  <a:schemeClr val="bg1"/>
+                </a:solidFill>
+              </a:rPr>
+              <a:t>ASSESS</a:t>
+            </a:r>
+          </a:p>
+        </p:txBody>
+      </p:sp>
+      <p:sp>
+        <p:nvSpPr>
+          <p:cNvPr id="31" name="Arrow: Pentagon 30">
+            <a:extLst>
+              <a:ext uri="{FF2B5EF4-FFF2-40B4-BE49-F238E27FC236}">
+                <a16:creationId xmlns:a16="http://schemas.microsoft.com/office/drawing/2014/main" id="{0033FA24-C1E5-4021-9225-6B6D619AA589}"/>
+              </a:ext>
+            </a:extLst>
+          </p:cNvPr>
+          <p:cNvSpPr/>
+          <p:nvPr/>
+        </p:nvSpPr>
+        <p:spPr>
+          <a:xfrm>
+            <a:off x="2705880" y="2586193"/>
+            <a:ext cx="1038806" cy="233267"/>
+          </a:xfrm>
+          <a:prstGeom prst="homePlate">
+            <a:avLst/>
+          </a:prstGeom>
+          <a:solidFill>
+            <a:schemeClr val="accent2">
+              <a:lumMod val="60000"/>
+              <a:lumOff val="40000"/>
+            </a:schemeClr>
+          </a:solidFill>
+        </p:spPr>
+        <p:style>
+          <a:lnRef idx="2">
+            <a:schemeClr val="accent1">
+              <a:shade val="50000"/>
+            </a:schemeClr>
+          </a:lnRef>
+          <a:fillRef idx="1">
+            <a:schemeClr val="accent1"/>
+          </a:fillRef>
+          <a:effectRef idx="0">
+            <a:schemeClr val="accent1"/>
+          </a:effectRef>
+          <a:fontRef idx="minor">
+            <a:schemeClr val="lt1"/>
+          </a:fontRef>
+        </p:style>
+        <p:txBody>
+          <a:bodyPr rtlCol="0" anchor="ctr"/>
+          <a:lstStyle/>
+          <a:p>
+            <a:pPr algn="ctr"/>
+            <a:endParaRPr lang="en-US"/>
+          </a:p>
+        </p:txBody>
+      </p:sp>
+      <p:sp>
+        <p:nvSpPr>
+          <p:cNvPr id="32" name="TextBox 31">
+            <a:extLst>
+              <a:ext uri="{FF2B5EF4-FFF2-40B4-BE49-F238E27FC236}">
+                <a16:creationId xmlns:a16="http://schemas.microsoft.com/office/drawing/2014/main" id="{69D70048-E83C-46A8-9B3E-9D5058BD1C0C}"/>
+              </a:ext>
+            </a:extLst>
+          </p:cNvPr>
+          <p:cNvSpPr txBox="1"/>
+          <p:nvPr/>
+        </p:nvSpPr>
+        <p:spPr>
+          <a:xfrm>
+            <a:off x="2911086" y="2542299"/>
+            <a:ext cx="583814" cy="307777"/>
+          </a:xfrm>
+          <a:prstGeom prst="rect">
+            <a:avLst/>
+          </a:prstGeom>
+          <a:noFill/>
+        </p:spPr>
+        <p:txBody>
+          <a:bodyPr wrap="none" rtlCol="0">
+            <a:spAutoFit/>
+          </a:bodyPr>
+          <a:lstStyle/>
+          <a:p>
+            <a:r>
+              <a:rPr lang="en-US" sz="1400" b="1" dirty="0">
+                <a:solidFill>
+                  <a:schemeClr val="bg1"/>
+                </a:solidFill>
+              </a:rPr>
+              <a:t>PLAN</a:t>
+            </a:r>
+          </a:p>
+        </p:txBody>
+      </p:sp>
+      <p:sp>
+        <p:nvSpPr>
+          <p:cNvPr id="33" name="Arrow: Pentagon 32">
+            <a:extLst>
+              <a:ext uri="{FF2B5EF4-FFF2-40B4-BE49-F238E27FC236}">
+                <a16:creationId xmlns:a16="http://schemas.microsoft.com/office/drawing/2014/main" id="{B1FD5D0F-C6A6-4304-805A-AC283E18F9F8}"/>
+              </a:ext>
+            </a:extLst>
+          </p:cNvPr>
+          <p:cNvSpPr/>
+          <p:nvPr/>
+        </p:nvSpPr>
+        <p:spPr>
+          <a:xfrm>
+            <a:off x="3166193" y="2841231"/>
+            <a:ext cx="1038806" cy="233267"/>
+          </a:xfrm>
+          <a:prstGeom prst="homePlate">
+            <a:avLst/>
+          </a:prstGeom>
+          <a:solidFill>
+            <a:schemeClr val="accent2">
+              <a:lumMod val="60000"/>
+              <a:lumOff val="40000"/>
+            </a:schemeClr>
+          </a:solidFill>
+        </p:spPr>
+        <p:style>
+          <a:lnRef idx="2">
+            <a:schemeClr val="accent1">
+              <a:shade val="50000"/>
+            </a:schemeClr>
+          </a:lnRef>
+          <a:fillRef idx="1">
+            <a:schemeClr val="accent1"/>
+          </a:fillRef>
+          <a:effectRef idx="0">
+            <a:schemeClr val="accent1"/>
+          </a:effectRef>
+          <a:fontRef idx="minor">
+            <a:schemeClr val="lt1"/>
+          </a:fontRef>
+        </p:style>
+        <p:txBody>
+          <a:bodyPr rtlCol="0" anchor="ctr"/>
+          <a:lstStyle/>
+          <a:p>
+            <a:pPr algn="ctr"/>
+            <a:endParaRPr lang="en-US"/>
+          </a:p>
+        </p:txBody>
+      </p:sp>
+      <p:sp>
+        <p:nvSpPr>
+          <p:cNvPr id="34" name="TextBox 33">
+            <a:extLst>
+              <a:ext uri="{FF2B5EF4-FFF2-40B4-BE49-F238E27FC236}">
+                <a16:creationId xmlns:a16="http://schemas.microsoft.com/office/drawing/2014/main" id="{65C79466-ECBC-4ADF-B27A-62BC781AEF24}"/>
+              </a:ext>
+            </a:extLst>
+          </p:cNvPr>
+          <p:cNvSpPr txBox="1"/>
+          <p:nvPr/>
+        </p:nvSpPr>
+        <p:spPr>
+          <a:xfrm>
+            <a:off x="3371399" y="2797337"/>
+            <a:ext cx="649537" cy="307777"/>
+          </a:xfrm>
+          <a:prstGeom prst="rect">
+            <a:avLst/>
+          </a:prstGeom>
+          <a:noFill/>
+        </p:spPr>
+        <p:txBody>
+          <a:bodyPr wrap="none" rtlCol="0">
+            <a:spAutoFit/>
+          </a:bodyPr>
+          <a:lstStyle/>
+          <a:p>
+            <a:r>
+              <a:rPr lang="en-US" sz="1400" b="1" dirty="0">
+                <a:solidFill>
+                  <a:schemeClr val="bg1"/>
+                </a:solidFill>
+              </a:rPr>
+              <a:t>TRAIN</a:t>
+            </a:r>
+          </a:p>
+        </p:txBody>
+      </p:sp>
+      <p:sp>
+        <p:nvSpPr>
+          <p:cNvPr id="35" name="Arrow: Pentagon 34">
+            <a:extLst>
+              <a:ext uri="{FF2B5EF4-FFF2-40B4-BE49-F238E27FC236}">
+                <a16:creationId xmlns:a16="http://schemas.microsoft.com/office/drawing/2014/main" id="{4F8DA8AC-4B4D-4687-9C58-917ABE02BD7A}"/>
+              </a:ext>
+            </a:extLst>
+          </p:cNvPr>
+          <p:cNvSpPr/>
+          <p:nvPr/>
+        </p:nvSpPr>
+        <p:spPr>
+          <a:xfrm>
+            <a:off x="3533202" y="3096267"/>
+            <a:ext cx="1038806" cy="233267"/>
+          </a:xfrm>
+          <a:prstGeom prst="homePlate">
+            <a:avLst/>
+          </a:prstGeom>
+          <a:solidFill>
+            <a:schemeClr val="accent2">
+              <a:lumMod val="60000"/>
+              <a:lumOff val="40000"/>
+            </a:schemeClr>
+          </a:solidFill>
+        </p:spPr>
+        <p:style>
+          <a:lnRef idx="2">
+            <a:schemeClr val="accent1">
+              <a:shade val="50000"/>
+            </a:schemeClr>
+          </a:lnRef>
+          <a:fillRef idx="1">
+            <a:schemeClr val="accent1"/>
+          </a:fillRef>
+          <a:effectRef idx="0">
+            <a:schemeClr val="accent1"/>
+          </a:effectRef>
+          <a:fontRef idx="minor">
+            <a:schemeClr val="lt1"/>
+          </a:fontRef>
+        </p:style>
+        <p:txBody>
+          <a:bodyPr rtlCol="0" anchor="ctr"/>
+          <a:lstStyle/>
+          <a:p>
+            <a:pPr algn="ctr"/>
+            <a:endParaRPr lang="en-US"/>
+          </a:p>
+        </p:txBody>
+      </p:sp>
+      <p:sp>
+        <p:nvSpPr>
+          <p:cNvPr id="37" name="Arrow: Pentagon 36">
+            <a:extLst>
+              <a:ext uri="{FF2B5EF4-FFF2-40B4-BE49-F238E27FC236}">
+                <a16:creationId xmlns:a16="http://schemas.microsoft.com/office/drawing/2014/main" id="{9DC819C5-4424-4D5C-8A0E-30928286DDEC}"/>
+              </a:ext>
+            </a:extLst>
+          </p:cNvPr>
+          <p:cNvSpPr/>
+          <p:nvPr/>
+        </p:nvSpPr>
+        <p:spPr>
+          <a:xfrm>
+            <a:off x="3862886" y="3360631"/>
+            <a:ext cx="1038806" cy="233267"/>
+          </a:xfrm>
+          <a:prstGeom prst="homePlate">
+            <a:avLst/>
+          </a:prstGeom>
+          <a:solidFill>
+            <a:schemeClr val="accent2">
+              <a:lumMod val="60000"/>
+              <a:lumOff val="40000"/>
+            </a:schemeClr>
+          </a:solidFill>
+        </p:spPr>
+        <p:style>
+          <a:lnRef idx="2">
+            <a:schemeClr val="accent1">
+              <a:shade val="50000"/>
+            </a:schemeClr>
+          </a:lnRef>
+          <a:fillRef idx="1">
+            <a:schemeClr val="accent1"/>
+          </a:fillRef>
+          <a:effectRef idx="0">
+            <a:schemeClr val="accent1"/>
+          </a:effectRef>
+          <a:fontRef idx="minor">
+            <a:schemeClr val="lt1"/>
+          </a:fontRef>
+        </p:style>
+        <p:txBody>
+          <a:bodyPr rtlCol="0" anchor="ctr"/>
+          <a:lstStyle/>
+          <a:p>
+            <a:pPr algn="ctr"/>
+            <a:endParaRPr lang="en-US"/>
+          </a:p>
+        </p:txBody>
+      </p:sp>
+      <p:sp>
+        <p:nvSpPr>
+          <p:cNvPr id="38" name="TextBox 37">
+            <a:extLst>
+              <a:ext uri="{FF2B5EF4-FFF2-40B4-BE49-F238E27FC236}">
+                <a16:creationId xmlns:a16="http://schemas.microsoft.com/office/drawing/2014/main" id="{18FFC071-C972-49E9-A9CC-C969487234B4}"/>
+              </a:ext>
+            </a:extLst>
+          </p:cNvPr>
+          <p:cNvSpPr txBox="1"/>
+          <p:nvPr/>
+        </p:nvSpPr>
+        <p:spPr>
+          <a:xfrm>
+            <a:off x="4030771" y="3316737"/>
+            <a:ext cx="719941" cy="307777"/>
+          </a:xfrm>
+          <a:prstGeom prst="rect">
+            <a:avLst/>
+          </a:prstGeom>
+          <a:noFill/>
+        </p:spPr>
+        <p:txBody>
+          <a:bodyPr wrap="none" rtlCol="0">
+            <a:spAutoFit/>
+          </a:bodyPr>
+          <a:lstStyle/>
+          <a:p>
+            <a:r>
+              <a:rPr lang="en-US" sz="1400" b="1" dirty="0">
+                <a:solidFill>
+                  <a:schemeClr val="bg1"/>
+                </a:solidFill>
+              </a:rPr>
+              <a:t>ASSESS</a:t>
+            </a:r>
+          </a:p>
+        </p:txBody>
+      </p:sp>
+      <p:sp>
+        <p:nvSpPr>
+          <p:cNvPr id="39" name="TextBox 38">
+            <a:extLst>
+              <a:ext uri="{FF2B5EF4-FFF2-40B4-BE49-F238E27FC236}">
+                <a16:creationId xmlns:a16="http://schemas.microsoft.com/office/drawing/2014/main" id="{6F087D03-4B15-45F7-BA63-FA6692AAA20F}"/>
+              </a:ext>
+            </a:extLst>
+          </p:cNvPr>
+          <p:cNvSpPr txBox="1"/>
+          <p:nvPr/>
+        </p:nvSpPr>
+        <p:spPr>
+          <a:xfrm>
+            <a:off x="3482603" y="3048477"/>
+            <a:ext cx="1101584" cy="307777"/>
+          </a:xfrm>
+          <a:prstGeom prst="rect">
+            <a:avLst/>
+          </a:prstGeom>
+          <a:noFill/>
+        </p:spPr>
+        <p:txBody>
+          <a:bodyPr wrap="none" rtlCol="0">
+            <a:spAutoFit/>
+          </a:bodyPr>
+          <a:lstStyle/>
+          <a:p>
+            <a:r>
+              <a:rPr lang="en-US" sz="1400" b="1" dirty="0">
+                <a:solidFill>
+                  <a:schemeClr val="bg1"/>
+                </a:solidFill>
+              </a:rPr>
+              <a:t>IMPLEMENT</a:t>
+            </a:r>
+          </a:p>
+        </p:txBody>
+      </p:sp>
+      <p:sp>
+        <p:nvSpPr>
+          <p:cNvPr id="58" name="TextBox 57">
+            <a:extLst>
+              <a:ext uri="{FF2B5EF4-FFF2-40B4-BE49-F238E27FC236}">
+                <a16:creationId xmlns:a16="http://schemas.microsoft.com/office/drawing/2014/main" id="{67297353-EE6B-4B21-87A8-CDF9C5E8A416}"/>
+              </a:ext>
+            </a:extLst>
+          </p:cNvPr>
+          <p:cNvSpPr txBox="1"/>
+          <p:nvPr/>
+        </p:nvSpPr>
+        <p:spPr>
+          <a:xfrm>
+            <a:off x="3090987" y="934499"/>
+            <a:ext cx="1223428" cy="1015663"/>
+          </a:xfrm>
+          <a:prstGeom prst="rect">
+            <a:avLst/>
+          </a:prstGeom>
+          <a:noFill/>
+        </p:spPr>
+        <p:txBody>
+          <a:bodyPr wrap="square" rtlCol="0">
+            <a:spAutoFit/>
+          </a:bodyPr>
+          <a:lstStyle/>
+          <a:p>
+            <a:r>
+              <a:rPr lang="en-US" sz="1200" dirty="0">
+                <a:solidFill>
+                  <a:schemeClr val="accent2">
+                    <a:lumMod val="75000"/>
+                  </a:schemeClr>
+                </a:solidFill>
+              </a:rPr>
+              <a:t>Basic maps</a:t>
+            </a:r>
+          </a:p>
+          <a:p>
+            <a:r>
+              <a:rPr lang="en-US" sz="1200" dirty="0">
+                <a:solidFill>
+                  <a:schemeClr val="accent2">
+                    <a:lumMod val="75000"/>
+                  </a:schemeClr>
+                </a:solidFill>
+              </a:rPr>
+              <a:t>Generic topics</a:t>
+            </a:r>
+          </a:p>
+          <a:p>
+            <a:r>
+              <a:rPr lang="en-US" sz="1200" dirty="0">
+                <a:solidFill>
+                  <a:schemeClr val="accent2">
+                    <a:lumMod val="75000"/>
+                  </a:schemeClr>
+                </a:solidFill>
+              </a:rPr>
+              <a:t>Task topics</a:t>
+            </a:r>
+          </a:p>
+          <a:p>
+            <a:r>
+              <a:rPr lang="en-US" sz="1200" dirty="0">
+                <a:solidFill>
+                  <a:schemeClr val="accent2">
+                    <a:lumMod val="75000"/>
+                  </a:schemeClr>
+                </a:solidFill>
+              </a:rPr>
+              <a:t>Default PDF </a:t>
+            </a:r>
+          </a:p>
+          <a:p>
+            <a:r>
+              <a:rPr lang="en-US" sz="1200" dirty="0">
+                <a:solidFill>
+                  <a:schemeClr val="accent2">
+                    <a:lumMod val="75000"/>
+                  </a:schemeClr>
+                </a:solidFill>
+              </a:rPr>
+              <a:t>Default HTML5</a:t>
+            </a:r>
+          </a:p>
+        </p:txBody>
+      </p:sp>
+      <p:sp>
+        <p:nvSpPr>
+          <p:cNvPr id="59" name="TextBox 58">
+            <a:extLst>
+              <a:ext uri="{FF2B5EF4-FFF2-40B4-BE49-F238E27FC236}">
+                <a16:creationId xmlns:a16="http://schemas.microsoft.com/office/drawing/2014/main" id="{511E2BEB-0ABE-4C36-889F-F1DBE533C4E6}"/>
+              </a:ext>
+            </a:extLst>
+          </p:cNvPr>
+          <p:cNvSpPr txBox="1"/>
+          <p:nvPr/>
+        </p:nvSpPr>
+        <p:spPr>
+          <a:xfrm>
+            <a:off x="1572643" y="948261"/>
+            <a:ext cx="1291299" cy="1015663"/>
+          </a:xfrm>
+          <a:prstGeom prst="rect">
+            <a:avLst/>
+          </a:prstGeom>
+          <a:noFill/>
+        </p:spPr>
+        <p:txBody>
+          <a:bodyPr wrap="square" rtlCol="0">
+            <a:spAutoFit/>
+          </a:bodyPr>
+          <a:lstStyle/>
+          <a:p>
+            <a:r>
+              <a:rPr lang="en-US" sz="1200" dirty="0">
+                <a:solidFill>
+                  <a:srgbClr val="0070C0"/>
+                </a:solidFill>
+              </a:rPr>
+              <a:t>Content audit</a:t>
+            </a:r>
+          </a:p>
+          <a:p>
+            <a:r>
+              <a:rPr lang="en-US" sz="1200" dirty="0">
+                <a:solidFill>
+                  <a:srgbClr val="0070C0"/>
+                </a:solidFill>
+              </a:rPr>
+              <a:t>Conversion plan</a:t>
+            </a:r>
+          </a:p>
+          <a:p>
+            <a:r>
+              <a:rPr lang="en-US" sz="1200" dirty="0">
+                <a:solidFill>
+                  <a:srgbClr val="0070C0"/>
+                </a:solidFill>
+              </a:rPr>
+              <a:t>SVN/GIT repo</a:t>
+            </a:r>
+          </a:p>
+          <a:p>
+            <a:r>
+              <a:rPr lang="en-US" sz="1200" dirty="0">
+                <a:solidFill>
+                  <a:srgbClr val="0070C0"/>
+                </a:solidFill>
+              </a:rPr>
+              <a:t>DITA boot camp</a:t>
+            </a:r>
+          </a:p>
+          <a:p>
+            <a:r>
+              <a:rPr lang="en-US" sz="1200" dirty="0">
+                <a:solidFill>
+                  <a:srgbClr val="0070C0"/>
+                </a:solidFill>
+              </a:rPr>
+              <a:t>Automated builds</a:t>
+            </a:r>
+          </a:p>
+        </p:txBody>
+      </p:sp>
+      <p:sp>
+        <p:nvSpPr>
+          <p:cNvPr id="60" name="TextBox 59">
+            <a:extLst>
+              <a:ext uri="{FF2B5EF4-FFF2-40B4-BE49-F238E27FC236}">
+                <a16:creationId xmlns:a16="http://schemas.microsoft.com/office/drawing/2014/main" id="{A36D99D8-EF5D-4D65-8DCE-B128B72653A1}"/>
+              </a:ext>
+            </a:extLst>
+          </p:cNvPr>
+          <p:cNvSpPr txBox="1"/>
+          <p:nvPr/>
+        </p:nvSpPr>
+        <p:spPr>
+          <a:xfrm>
+            <a:off x="4559006" y="937609"/>
+            <a:ext cx="1306289" cy="1015663"/>
+          </a:xfrm>
+          <a:prstGeom prst="rect">
+            <a:avLst/>
+          </a:prstGeom>
+          <a:noFill/>
+        </p:spPr>
+        <p:txBody>
+          <a:bodyPr wrap="square" rtlCol="0">
+            <a:spAutoFit/>
+          </a:bodyPr>
+          <a:lstStyle/>
+          <a:p>
+            <a:r>
+              <a:rPr lang="en-US" sz="1200" dirty="0">
+                <a:solidFill>
+                  <a:schemeClr val="bg1">
+                    <a:lumMod val="50000"/>
+                  </a:schemeClr>
+                </a:solidFill>
+              </a:rPr>
+              <a:t>Branding</a:t>
+            </a:r>
+          </a:p>
+          <a:p>
+            <a:r>
+              <a:rPr lang="en-US" sz="1200" dirty="0">
+                <a:solidFill>
+                  <a:schemeClr val="bg1">
+                    <a:lumMod val="50000"/>
+                  </a:schemeClr>
+                </a:solidFill>
+              </a:rPr>
+              <a:t>Basic keys</a:t>
+            </a:r>
+          </a:p>
+          <a:p>
+            <a:r>
+              <a:rPr lang="en-US" sz="1200" dirty="0">
+                <a:solidFill>
+                  <a:schemeClr val="bg1">
+                    <a:lumMod val="50000"/>
+                  </a:schemeClr>
+                </a:solidFill>
+              </a:rPr>
+              <a:t>Concept topics</a:t>
+            </a:r>
+          </a:p>
+          <a:p>
+            <a:r>
+              <a:rPr lang="en-US" sz="1200" dirty="0">
+                <a:solidFill>
+                  <a:schemeClr val="bg1">
+                    <a:lumMod val="50000"/>
+                  </a:schemeClr>
+                </a:solidFill>
+              </a:rPr>
+              <a:t>Short descriptions HTML5 Help</a:t>
+            </a:r>
+          </a:p>
+        </p:txBody>
+      </p:sp>
+      <p:sp>
+        <p:nvSpPr>
+          <p:cNvPr id="61" name="TextBox 60">
+            <a:extLst>
+              <a:ext uri="{FF2B5EF4-FFF2-40B4-BE49-F238E27FC236}">
+                <a16:creationId xmlns:a16="http://schemas.microsoft.com/office/drawing/2014/main" id="{0AB5D5D1-5E93-46C5-A84B-D8B7A5455F51}"/>
+              </a:ext>
+            </a:extLst>
+          </p:cNvPr>
+          <p:cNvSpPr txBox="1"/>
+          <p:nvPr/>
+        </p:nvSpPr>
+        <p:spPr>
+          <a:xfrm>
+            <a:off x="6083010" y="931382"/>
+            <a:ext cx="1306285" cy="1200329"/>
+          </a:xfrm>
+          <a:prstGeom prst="rect">
+            <a:avLst/>
+          </a:prstGeom>
+          <a:noFill/>
+        </p:spPr>
+        <p:txBody>
+          <a:bodyPr wrap="square" rtlCol="0">
+            <a:spAutoFit/>
+          </a:bodyPr>
+          <a:lstStyle/>
+          <a:p>
+            <a:r>
+              <a:rPr lang="en-US" sz="1200" dirty="0">
+                <a:solidFill>
+                  <a:schemeClr val="accent6">
+                    <a:lumMod val="75000"/>
+                  </a:schemeClr>
+                </a:solidFill>
+              </a:rPr>
+              <a:t>Conditions</a:t>
+            </a:r>
+          </a:p>
+          <a:p>
+            <a:r>
+              <a:rPr lang="en-US" sz="1200" dirty="0">
+                <a:solidFill>
+                  <a:schemeClr val="accent6">
+                    <a:lumMod val="75000"/>
+                  </a:schemeClr>
+                </a:solidFill>
+              </a:rPr>
+              <a:t>Metadata</a:t>
+            </a:r>
+          </a:p>
+          <a:p>
+            <a:r>
+              <a:rPr lang="en-US" sz="1200" dirty="0">
+                <a:solidFill>
+                  <a:schemeClr val="accent6">
+                    <a:lumMod val="75000"/>
+                  </a:schemeClr>
+                </a:solidFill>
+              </a:rPr>
+              <a:t>Markdown topics</a:t>
+            </a:r>
+          </a:p>
+          <a:p>
+            <a:r>
+              <a:rPr lang="en-US" sz="1200" dirty="0">
+                <a:solidFill>
+                  <a:schemeClr val="accent6">
+                    <a:lumMod val="75000"/>
+                  </a:schemeClr>
+                </a:solidFill>
+              </a:rPr>
+              <a:t>Content libraries</a:t>
+            </a:r>
+          </a:p>
+          <a:p>
+            <a:r>
+              <a:rPr lang="en-US" sz="1200" dirty="0">
+                <a:solidFill>
+                  <a:schemeClr val="accent6">
+                    <a:lumMod val="75000"/>
+                  </a:schemeClr>
+                </a:solidFill>
+              </a:rPr>
+              <a:t>Branded PDF</a:t>
+            </a:r>
+          </a:p>
+          <a:p>
+            <a:endParaRPr lang="en-US" sz="1200" dirty="0"/>
+          </a:p>
+        </p:txBody>
+      </p:sp>
+    </p:spTree>
+    <p:extLst>
+      <p:ext uri="{BB962C8B-B14F-4D97-AF65-F5344CB8AC3E}">
+        <p14:creationId xmlns:p14="http://schemas.microsoft.com/office/powerpoint/2010/main" val="1768719591"/>
+      </p:ext>
+    </p:extLst>
+  </p:cSld>
+  <p:clrMapOvr>
+    <a:masterClrMapping/>
+  </p:clrMapOvr>
+</p:sld>
+</file>
+
+<file path=ppt/slides/slide15.xml><?xml version="1.0" encoding="utf-8"?>
+<p:sld xmlns:a="http://schemas.openxmlformats.org/drawingml/2006/main" xmlns:r="http://schemas.openxmlformats.org/officeDocument/2006/relationships" xmlns:p="http://schemas.openxmlformats.org/presentationml/2006/main">
+  <p:cSld>
+    <p:spTree>
+      <p:nvGrpSpPr>
+        <p:cNvPr id="1" name=""/>
+        <p:cNvGrpSpPr/>
+        <p:nvPr/>
+      </p:nvGrpSpPr>
+      <p:grpSpPr>
+        <a:xfrm>
+          <a:off x="0" y="0"/>
+          <a:ext cx="0" cy="0"/>
+          <a:chOff x="0" y="0"/>
+          <a:chExt cx="0" cy="0"/>
+        </a:xfrm>
+      </p:grpSpPr>
+      <p:cxnSp>
+        <p:nvCxnSpPr>
+          <p:cNvPr id="3" name="Straight Arrow Connector 2">
+            <a:extLst>
+              <a:ext uri="{FF2B5EF4-FFF2-40B4-BE49-F238E27FC236}">
+                <a16:creationId xmlns:a16="http://schemas.microsoft.com/office/drawing/2014/main" id="{A33475AC-10E8-4060-A6C1-2A22B1121CBE}"/>
+              </a:ext>
+            </a:extLst>
+          </p:cNvPr>
+          <p:cNvCxnSpPr>
+            <a:cxnSpLocks/>
+          </p:cNvCxnSpPr>
+          <p:nvPr/>
+        </p:nvCxnSpPr>
+        <p:spPr>
+          <a:xfrm>
+            <a:off x="1446246" y="755780"/>
+            <a:ext cx="5952930" cy="0"/>
+          </a:xfrm>
+          <a:prstGeom prst="straightConnector1">
+            <a:avLst/>
+          </a:prstGeom>
+          <a:ln>
+            <a:tailEnd type="triangle"/>
+          </a:ln>
+        </p:spPr>
+        <p:style>
+          <a:lnRef idx="1">
+            <a:schemeClr val="accent1"/>
+          </a:lnRef>
+          <a:fillRef idx="0">
+            <a:schemeClr val="accent1"/>
+          </a:fillRef>
+          <a:effectRef idx="0">
+            <a:schemeClr val="accent1"/>
+          </a:effectRef>
+          <a:fontRef idx="minor">
+            <a:schemeClr val="tx1"/>
+          </a:fontRef>
+        </p:style>
+      </p:cxnSp>
+      <p:cxnSp>
+        <p:nvCxnSpPr>
+          <p:cNvPr id="6" name="Straight Connector 5">
+            <a:extLst>
+              <a:ext uri="{FF2B5EF4-FFF2-40B4-BE49-F238E27FC236}">
+                <a16:creationId xmlns:a16="http://schemas.microsoft.com/office/drawing/2014/main" id="{B050316D-43D6-443B-AE2F-65299CFB4C11}"/>
+              </a:ext>
+            </a:extLst>
+          </p:cNvPr>
+          <p:cNvCxnSpPr/>
+          <p:nvPr/>
+        </p:nvCxnSpPr>
+        <p:spPr>
+          <a:xfrm>
+            <a:off x="5850294" y="643812"/>
+            <a:ext cx="0" cy="233266"/>
+          </a:xfrm>
+          <a:prstGeom prst="line">
+            <a:avLst/>
+          </a:prstGeom>
+        </p:spPr>
+        <p:style>
+          <a:lnRef idx="1">
+            <a:schemeClr val="accent1"/>
+          </a:lnRef>
+          <a:fillRef idx="0">
+            <a:schemeClr val="accent1"/>
+          </a:fillRef>
+          <a:effectRef idx="0">
+            <a:schemeClr val="accent1"/>
+          </a:effectRef>
+          <a:fontRef idx="minor">
+            <a:schemeClr val="tx1"/>
+          </a:fontRef>
+        </p:style>
+      </p:cxnSp>
+      <p:cxnSp>
+        <p:nvCxnSpPr>
+          <p:cNvPr id="7" name="Straight Connector 6">
+            <a:extLst>
+              <a:ext uri="{FF2B5EF4-FFF2-40B4-BE49-F238E27FC236}">
+                <a16:creationId xmlns:a16="http://schemas.microsoft.com/office/drawing/2014/main" id="{5C158088-C0E4-4870-8528-81201333AC7A}"/>
+              </a:ext>
+            </a:extLst>
+          </p:cNvPr>
+          <p:cNvCxnSpPr/>
+          <p:nvPr/>
+        </p:nvCxnSpPr>
+        <p:spPr>
+          <a:xfrm>
+            <a:off x="7243666" y="634481"/>
+            <a:ext cx="0" cy="233266"/>
+          </a:xfrm>
+          <a:prstGeom prst="line">
+            <a:avLst/>
+          </a:prstGeom>
+        </p:spPr>
+        <p:style>
+          <a:lnRef idx="1">
+            <a:schemeClr val="accent1"/>
+          </a:lnRef>
+          <a:fillRef idx="0">
+            <a:schemeClr val="accent1"/>
+          </a:fillRef>
+          <a:effectRef idx="0">
+            <a:schemeClr val="accent1"/>
+          </a:effectRef>
+          <a:fontRef idx="minor">
+            <a:schemeClr val="tx1"/>
+          </a:fontRef>
+        </p:style>
+      </p:cxnSp>
+      <p:cxnSp>
+        <p:nvCxnSpPr>
+          <p:cNvPr id="8" name="Straight Connector 7">
+            <a:extLst>
+              <a:ext uri="{FF2B5EF4-FFF2-40B4-BE49-F238E27FC236}">
+                <a16:creationId xmlns:a16="http://schemas.microsoft.com/office/drawing/2014/main" id="{49AC98D7-7782-49B8-985F-81CAE8F0447C}"/>
+              </a:ext>
+            </a:extLst>
+          </p:cNvPr>
+          <p:cNvCxnSpPr/>
+          <p:nvPr/>
+        </p:nvCxnSpPr>
+        <p:spPr>
+          <a:xfrm>
+            <a:off x="1449356" y="643812"/>
+            <a:ext cx="0" cy="233266"/>
+          </a:xfrm>
+          <a:prstGeom prst="line">
+            <a:avLst/>
+          </a:prstGeom>
+        </p:spPr>
+        <p:style>
+          <a:lnRef idx="1">
+            <a:schemeClr val="accent1"/>
+          </a:lnRef>
+          <a:fillRef idx="0">
+            <a:schemeClr val="accent1"/>
+          </a:fillRef>
+          <a:effectRef idx="0">
+            <a:schemeClr val="accent1"/>
+          </a:effectRef>
+          <a:fontRef idx="minor">
+            <a:schemeClr val="tx1"/>
+          </a:fontRef>
+        </p:style>
+      </p:cxnSp>
+      <p:cxnSp>
+        <p:nvCxnSpPr>
+          <p:cNvPr id="9" name="Straight Connector 8">
+            <a:extLst>
+              <a:ext uri="{FF2B5EF4-FFF2-40B4-BE49-F238E27FC236}">
+                <a16:creationId xmlns:a16="http://schemas.microsoft.com/office/drawing/2014/main" id="{BA6938BD-96CE-42FF-8752-903859B25E80}"/>
+              </a:ext>
+            </a:extLst>
+          </p:cNvPr>
+          <p:cNvCxnSpPr/>
+          <p:nvPr/>
+        </p:nvCxnSpPr>
+        <p:spPr>
+          <a:xfrm>
+            <a:off x="2842727" y="625151"/>
+            <a:ext cx="0" cy="233266"/>
+          </a:xfrm>
+          <a:prstGeom prst="line">
+            <a:avLst/>
+          </a:prstGeom>
+        </p:spPr>
+        <p:style>
+          <a:lnRef idx="1">
+            <a:schemeClr val="accent1"/>
+          </a:lnRef>
+          <a:fillRef idx="0">
+            <a:schemeClr val="accent1"/>
+          </a:fillRef>
+          <a:effectRef idx="0">
+            <a:schemeClr val="accent1"/>
+          </a:effectRef>
+          <a:fontRef idx="minor">
+            <a:schemeClr val="tx1"/>
+          </a:fontRef>
+        </p:style>
+      </p:cxnSp>
+      <p:cxnSp>
+        <p:nvCxnSpPr>
+          <p:cNvPr id="10" name="Straight Connector 9">
+            <a:extLst>
+              <a:ext uri="{FF2B5EF4-FFF2-40B4-BE49-F238E27FC236}">
+                <a16:creationId xmlns:a16="http://schemas.microsoft.com/office/drawing/2014/main" id="{388EC377-8DA5-456A-9F7F-23B7F86B8C1E}"/>
+              </a:ext>
+            </a:extLst>
+          </p:cNvPr>
+          <p:cNvCxnSpPr/>
+          <p:nvPr/>
+        </p:nvCxnSpPr>
+        <p:spPr>
+          <a:xfrm>
+            <a:off x="4360506" y="643812"/>
+            <a:ext cx="0" cy="233266"/>
+          </a:xfrm>
+          <a:prstGeom prst="line">
+            <a:avLst/>
+          </a:prstGeom>
+        </p:spPr>
+        <p:style>
+          <a:lnRef idx="1">
+            <a:schemeClr val="accent1"/>
+          </a:lnRef>
+          <a:fillRef idx="0">
+            <a:schemeClr val="accent1"/>
+          </a:fillRef>
+          <a:effectRef idx="0">
+            <a:schemeClr val="accent1"/>
+          </a:effectRef>
+          <a:fontRef idx="minor">
+            <a:schemeClr val="tx1"/>
+          </a:fontRef>
+        </p:style>
+      </p:cxnSp>
+      <p:sp>
+        <p:nvSpPr>
+          <p:cNvPr id="11" name="TextBox 10">
+            <a:extLst>
+              <a:ext uri="{FF2B5EF4-FFF2-40B4-BE49-F238E27FC236}">
+                <a16:creationId xmlns:a16="http://schemas.microsoft.com/office/drawing/2014/main" id="{71EDF740-24B4-47D2-8D35-7211D67075CE}"/>
+              </a:ext>
+            </a:extLst>
+          </p:cNvPr>
+          <p:cNvSpPr txBox="1"/>
+          <p:nvPr/>
+        </p:nvSpPr>
+        <p:spPr>
+          <a:xfrm>
+            <a:off x="1796143" y="533305"/>
+            <a:ext cx="765108" cy="276999"/>
+          </a:xfrm>
+          <a:prstGeom prst="rect">
+            <a:avLst/>
+          </a:prstGeom>
+          <a:noFill/>
+        </p:spPr>
+        <p:txBody>
+          <a:bodyPr wrap="square" rtlCol="0">
+            <a:spAutoFit/>
+          </a:bodyPr>
+          <a:lstStyle/>
+          <a:p>
+            <a:r>
+              <a:rPr lang="en-US" sz="1200" b="1" dirty="0">
+                <a:solidFill>
+                  <a:srgbClr val="0070C0"/>
+                </a:solidFill>
+              </a:rPr>
+              <a:t>PHASE 1</a:t>
+            </a:r>
+          </a:p>
+        </p:txBody>
+      </p:sp>
+      <p:sp>
+        <p:nvSpPr>
+          <p:cNvPr id="12" name="TextBox 11">
+            <a:extLst>
+              <a:ext uri="{FF2B5EF4-FFF2-40B4-BE49-F238E27FC236}">
+                <a16:creationId xmlns:a16="http://schemas.microsoft.com/office/drawing/2014/main" id="{A8F64B93-F4CF-41A6-8781-189F15D05DEB}"/>
+              </a:ext>
+            </a:extLst>
+          </p:cNvPr>
+          <p:cNvSpPr txBox="1"/>
+          <p:nvPr/>
+        </p:nvSpPr>
+        <p:spPr>
+          <a:xfrm>
+            <a:off x="1810141" y="634481"/>
+            <a:ext cx="755778" cy="369332"/>
+          </a:xfrm>
+          <a:prstGeom prst="rect">
+            <a:avLst/>
+          </a:prstGeom>
+          <a:noFill/>
+        </p:spPr>
+        <p:txBody>
+          <a:bodyPr wrap="square" rtlCol="0">
+            <a:spAutoFit/>
+          </a:bodyPr>
+          <a:lstStyle/>
+          <a:p>
+            <a:r>
+              <a:rPr lang="en-US" sz="1200" b="1" i="1" dirty="0">
+                <a:solidFill>
+                  <a:srgbClr val="0070C0"/>
+                </a:solidFill>
+              </a:rPr>
+              <a:t>x</a:t>
+            </a:r>
+            <a:r>
+              <a:rPr lang="en-US" sz="1200" b="1" dirty="0">
+                <a:solidFill>
+                  <a:srgbClr val="0070C0"/>
+                </a:solidFill>
+              </a:rPr>
+              <a:t> weeks</a:t>
+            </a:r>
+            <a:r>
+              <a:rPr lang="en-US" dirty="0">
+                <a:solidFill>
+                  <a:srgbClr val="0070C0"/>
+                </a:solidFill>
+              </a:rPr>
+              <a:t> </a:t>
+            </a:r>
+          </a:p>
+        </p:txBody>
+      </p:sp>
+      <p:sp>
+        <p:nvSpPr>
+          <p:cNvPr id="13" name="TextBox 12">
+            <a:extLst>
+              <a:ext uri="{FF2B5EF4-FFF2-40B4-BE49-F238E27FC236}">
+                <a16:creationId xmlns:a16="http://schemas.microsoft.com/office/drawing/2014/main" id="{017D987E-8A71-4F16-BD25-F9C7D9B411D8}"/>
+              </a:ext>
+            </a:extLst>
+          </p:cNvPr>
+          <p:cNvSpPr txBox="1"/>
+          <p:nvPr/>
+        </p:nvSpPr>
+        <p:spPr>
+          <a:xfrm>
+            <a:off x="3254828" y="527082"/>
+            <a:ext cx="765108" cy="276999"/>
+          </a:xfrm>
+          <a:prstGeom prst="rect">
+            <a:avLst/>
+          </a:prstGeom>
+          <a:noFill/>
+        </p:spPr>
+        <p:txBody>
+          <a:bodyPr wrap="square" rtlCol="0">
+            <a:spAutoFit/>
+          </a:bodyPr>
+          <a:lstStyle/>
+          <a:p>
+            <a:r>
+              <a:rPr lang="en-US" sz="1200" b="1" dirty="0">
+                <a:solidFill>
+                  <a:schemeClr val="accent2">
+                    <a:lumMod val="75000"/>
+                  </a:schemeClr>
+                </a:solidFill>
+              </a:rPr>
+              <a:t>PHASE 2</a:t>
+            </a:r>
+          </a:p>
+        </p:txBody>
+      </p:sp>
+      <p:sp>
+        <p:nvSpPr>
+          <p:cNvPr id="14" name="TextBox 13">
+            <a:extLst>
+              <a:ext uri="{FF2B5EF4-FFF2-40B4-BE49-F238E27FC236}">
+                <a16:creationId xmlns:a16="http://schemas.microsoft.com/office/drawing/2014/main" id="{D1DBCEB5-F297-4FCB-9A15-F24EE646FBFF}"/>
+              </a:ext>
+            </a:extLst>
+          </p:cNvPr>
+          <p:cNvSpPr txBox="1"/>
+          <p:nvPr/>
+        </p:nvSpPr>
+        <p:spPr>
+          <a:xfrm>
+            <a:off x="3268826" y="628258"/>
+            <a:ext cx="755778" cy="369332"/>
+          </a:xfrm>
+          <a:prstGeom prst="rect">
+            <a:avLst/>
+          </a:prstGeom>
+          <a:noFill/>
+        </p:spPr>
+        <p:txBody>
+          <a:bodyPr wrap="square" rtlCol="0">
+            <a:spAutoFit/>
+          </a:bodyPr>
+          <a:lstStyle/>
+          <a:p>
+            <a:r>
+              <a:rPr lang="en-US" sz="1200" b="1" i="1" dirty="0">
+                <a:solidFill>
+                  <a:schemeClr val="accent2">
+                    <a:lumMod val="75000"/>
+                  </a:schemeClr>
+                </a:solidFill>
+              </a:rPr>
+              <a:t>x</a:t>
+            </a:r>
+            <a:r>
+              <a:rPr lang="en-US" sz="1200" b="1" dirty="0">
+                <a:solidFill>
+                  <a:schemeClr val="accent2">
+                    <a:lumMod val="75000"/>
+                  </a:schemeClr>
+                </a:solidFill>
+              </a:rPr>
+              <a:t> weeks</a:t>
+            </a:r>
+            <a:r>
+              <a:rPr lang="en-US" dirty="0">
+                <a:solidFill>
+                  <a:srgbClr val="0070C0"/>
+                </a:solidFill>
+              </a:rPr>
+              <a:t> </a:t>
+            </a:r>
+          </a:p>
+        </p:txBody>
+      </p:sp>
+      <p:sp>
+        <p:nvSpPr>
+          <p:cNvPr id="15" name="TextBox 14">
+            <a:extLst>
+              <a:ext uri="{FF2B5EF4-FFF2-40B4-BE49-F238E27FC236}">
+                <a16:creationId xmlns:a16="http://schemas.microsoft.com/office/drawing/2014/main" id="{4F3A21AC-2DE4-4C55-8430-F7755F4D0F38}"/>
+              </a:ext>
+            </a:extLst>
+          </p:cNvPr>
+          <p:cNvSpPr txBox="1"/>
+          <p:nvPr/>
+        </p:nvSpPr>
+        <p:spPr>
+          <a:xfrm>
+            <a:off x="4788161" y="520860"/>
+            <a:ext cx="765108" cy="276999"/>
+          </a:xfrm>
+          <a:prstGeom prst="rect">
+            <a:avLst/>
+          </a:prstGeom>
+          <a:noFill/>
+        </p:spPr>
+        <p:txBody>
+          <a:bodyPr wrap="square" rtlCol="0">
+            <a:spAutoFit/>
+          </a:bodyPr>
+          <a:lstStyle/>
+          <a:p>
+            <a:r>
+              <a:rPr lang="en-US" sz="1200" b="1" dirty="0">
+                <a:solidFill>
+                  <a:schemeClr val="bg1">
+                    <a:lumMod val="50000"/>
+                  </a:schemeClr>
+                </a:solidFill>
+              </a:rPr>
+              <a:t>PHASE 3</a:t>
+            </a:r>
+          </a:p>
+        </p:txBody>
+      </p:sp>
+      <p:sp>
+        <p:nvSpPr>
+          <p:cNvPr id="16" name="TextBox 15">
+            <a:extLst>
+              <a:ext uri="{FF2B5EF4-FFF2-40B4-BE49-F238E27FC236}">
+                <a16:creationId xmlns:a16="http://schemas.microsoft.com/office/drawing/2014/main" id="{E33998E8-257E-436C-ACF3-7EBAE818B337}"/>
+              </a:ext>
+            </a:extLst>
+          </p:cNvPr>
+          <p:cNvSpPr txBox="1"/>
+          <p:nvPr/>
+        </p:nvSpPr>
+        <p:spPr>
+          <a:xfrm>
+            <a:off x="4802159" y="622036"/>
+            <a:ext cx="755778" cy="369332"/>
+          </a:xfrm>
+          <a:prstGeom prst="rect">
+            <a:avLst/>
+          </a:prstGeom>
+          <a:noFill/>
+        </p:spPr>
+        <p:txBody>
+          <a:bodyPr wrap="square" rtlCol="0">
+            <a:spAutoFit/>
+          </a:bodyPr>
+          <a:lstStyle/>
+          <a:p>
+            <a:r>
+              <a:rPr lang="en-US" sz="1200" b="1" i="1" dirty="0">
+                <a:solidFill>
+                  <a:schemeClr val="bg1">
+                    <a:lumMod val="50000"/>
+                  </a:schemeClr>
+                </a:solidFill>
+              </a:rPr>
+              <a:t>x</a:t>
+            </a:r>
+            <a:r>
+              <a:rPr lang="en-US" sz="1200" b="1" dirty="0">
+                <a:solidFill>
+                  <a:schemeClr val="bg1">
+                    <a:lumMod val="50000"/>
+                  </a:schemeClr>
+                </a:solidFill>
+              </a:rPr>
+              <a:t> weeks</a:t>
+            </a:r>
+            <a:r>
+              <a:rPr lang="en-US" dirty="0">
+                <a:solidFill>
+                  <a:srgbClr val="0070C0"/>
+                </a:solidFill>
+              </a:rPr>
+              <a:t> </a:t>
+            </a:r>
+          </a:p>
+        </p:txBody>
+      </p:sp>
+      <p:sp>
+        <p:nvSpPr>
+          <p:cNvPr id="17" name="TextBox 16">
+            <a:extLst>
+              <a:ext uri="{FF2B5EF4-FFF2-40B4-BE49-F238E27FC236}">
+                <a16:creationId xmlns:a16="http://schemas.microsoft.com/office/drawing/2014/main" id="{2C126F38-98A6-4A90-9C35-330963C49B9D}"/>
+              </a:ext>
+            </a:extLst>
+          </p:cNvPr>
+          <p:cNvSpPr txBox="1"/>
+          <p:nvPr/>
+        </p:nvSpPr>
+        <p:spPr>
+          <a:xfrm>
+            <a:off x="6302832" y="523968"/>
+            <a:ext cx="765108" cy="276999"/>
+          </a:xfrm>
+          <a:prstGeom prst="rect">
+            <a:avLst/>
+          </a:prstGeom>
+          <a:noFill/>
+        </p:spPr>
+        <p:txBody>
+          <a:bodyPr wrap="square" rtlCol="0">
+            <a:spAutoFit/>
+          </a:bodyPr>
+          <a:lstStyle/>
+          <a:p>
+            <a:r>
+              <a:rPr lang="en-US" sz="1200" b="1" dirty="0">
+                <a:solidFill>
+                  <a:schemeClr val="accent6">
+                    <a:lumMod val="75000"/>
+                  </a:schemeClr>
+                </a:solidFill>
+              </a:rPr>
+              <a:t>PHASE 4</a:t>
+            </a:r>
+          </a:p>
+        </p:txBody>
+      </p:sp>
+      <p:sp>
+        <p:nvSpPr>
+          <p:cNvPr id="18" name="TextBox 17">
+            <a:extLst>
+              <a:ext uri="{FF2B5EF4-FFF2-40B4-BE49-F238E27FC236}">
+                <a16:creationId xmlns:a16="http://schemas.microsoft.com/office/drawing/2014/main" id="{E277A3D5-7113-4D52-984D-D579D7F4B458}"/>
+              </a:ext>
+            </a:extLst>
+          </p:cNvPr>
+          <p:cNvSpPr txBox="1"/>
+          <p:nvPr/>
+        </p:nvSpPr>
+        <p:spPr>
+          <a:xfrm>
+            <a:off x="6316830" y="625144"/>
+            <a:ext cx="755778" cy="369332"/>
+          </a:xfrm>
+          <a:prstGeom prst="rect">
+            <a:avLst/>
+          </a:prstGeom>
+          <a:noFill/>
+        </p:spPr>
+        <p:txBody>
+          <a:bodyPr wrap="square" rtlCol="0">
+            <a:spAutoFit/>
+          </a:bodyPr>
+          <a:lstStyle/>
+          <a:p>
+            <a:r>
+              <a:rPr lang="en-US" sz="1200" b="1" i="1" dirty="0">
+                <a:solidFill>
+                  <a:schemeClr val="accent6">
+                    <a:lumMod val="75000"/>
+                  </a:schemeClr>
+                </a:solidFill>
+              </a:rPr>
+              <a:t>x</a:t>
+            </a:r>
+            <a:r>
+              <a:rPr lang="en-US" sz="1200" b="1" dirty="0">
+                <a:solidFill>
+                  <a:schemeClr val="accent6">
+                    <a:lumMod val="75000"/>
+                  </a:schemeClr>
+                </a:solidFill>
+              </a:rPr>
+              <a:t> weeks</a:t>
+            </a:r>
+            <a:r>
+              <a:rPr lang="en-US" dirty="0">
+                <a:solidFill>
+                  <a:srgbClr val="0070C0"/>
+                </a:solidFill>
+              </a:rPr>
+              <a:t> </a:t>
+            </a:r>
+          </a:p>
+        </p:txBody>
+      </p:sp>
+      <p:sp>
+        <p:nvSpPr>
+          <p:cNvPr id="19" name="Arrow: Pentagon 18">
+            <a:extLst>
+              <a:ext uri="{FF2B5EF4-FFF2-40B4-BE49-F238E27FC236}">
+                <a16:creationId xmlns:a16="http://schemas.microsoft.com/office/drawing/2014/main" id="{435C45B9-0618-4CFD-908E-36D91FEA2F19}"/>
+              </a:ext>
+            </a:extLst>
+          </p:cNvPr>
+          <p:cNvSpPr/>
+          <p:nvPr/>
+        </p:nvSpPr>
+        <p:spPr>
+          <a:xfrm>
+            <a:off x="752676" y="2079223"/>
+            <a:ext cx="1038806" cy="233267"/>
+          </a:xfrm>
+          <a:prstGeom prst="homePlate">
+            <a:avLst/>
+          </a:prstGeom>
+        </p:spPr>
+        <p:style>
+          <a:lnRef idx="2">
+            <a:schemeClr val="accent1">
+              <a:shade val="50000"/>
+            </a:schemeClr>
+          </a:lnRef>
+          <a:fillRef idx="1">
+            <a:schemeClr val="accent1"/>
+          </a:fillRef>
+          <a:effectRef idx="0">
+            <a:schemeClr val="accent1"/>
+          </a:effectRef>
+          <a:fontRef idx="minor">
+            <a:schemeClr val="lt1"/>
+          </a:fontRef>
+        </p:style>
+        <p:txBody>
+          <a:bodyPr rtlCol="0" anchor="ctr"/>
+          <a:lstStyle/>
+          <a:p>
+            <a:pPr algn="ctr"/>
+            <a:endParaRPr lang="en-US"/>
+          </a:p>
+        </p:txBody>
+      </p:sp>
+      <p:sp>
+        <p:nvSpPr>
+          <p:cNvPr id="20" name="TextBox 19">
+            <a:extLst>
+              <a:ext uri="{FF2B5EF4-FFF2-40B4-BE49-F238E27FC236}">
+                <a16:creationId xmlns:a16="http://schemas.microsoft.com/office/drawing/2014/main" id="{BB817AE8-AAF4-4DB2-9966-2E515BE583B2}"/>
+              </a:ext>
+            </a:extLst>
+          </p:cNvPr>
+          <p:cNvSpPr txBox="1"/>
+          <p:nvPr/>
+        </p:nvSpPr>
+        <p:spPr>
+          <a:xfrm>
+            <a:off x="957882" y="2035329"/>
+            <a:ext cx="583814" cy="307777"/>
+          </a:xfrm>
+          <a:prstGeom prst="rect">
+            <a:avLst/>
+          </a:prstGeom>
+          <a:noFill/>
+        </p:spPr>
+        <p:txBody>
+          <a:bodyPr wrap="none" rtlCol="0">
+            <a:spAutoFit/>
+          </a:bodyPr>
+          <a:lstStyle/>
+          <a:p>
+            <a:r>
+              <a:rPr lang="en-US" sz="1400" b="1" dirty="0">
+                <a:solidFill>
+                  <a:schemeClr val="bg1"/>
+                </a:solidFill>
+              </a:rPr>
+              <a:t>PLAN</a:t>
+            </a:r>
+          </a:p>
+        </p:txBody>
+      </p:sp>
+      <p:sp>
+        <p:nvSpPr>
+          <p:cNvPr id="25" name="Arrow: Pentagon 24">
+            <a:extLst>
+              <a:ext uri="{FF2B5EF4-FFF2-40B4-BE49-F238E27FC236}">
+                <a16:creationId xmlns:a16="http://schemas.microsoft.com/office/drawing/2014/main" id="{27CE8EE9-AAAA-4B89-BC38-9FA633F5D847}"/>
+              </a:ext>
+            </a:extLst>
+          </p:cNvPr>
+          <p:cNvSpPr/>
+          <p:nvPr/>
+        </p:nvSpPr>
+        <p:spPr>
+          <a:xfrm>
+            <a:off x="1212989" y="2334261"/>
+            <a:ext cx="1038806" cy="233267"/>
+          </a:xfrm>
+          <a:prstGeom prst="homePlate">
+            <a:avLst/>
+          </a:prstGeom>
+        </p:spPr>
+        <p:style>
+          <a:lnRef idx="2">
+            <a:schemeClr val="accent1">
+              <a:shade val="50000"/>
+            </a:schemeClr>
+          </a:lnRef>
+          <a:fillRef idx="1">
+            <a:schemeClr val="accent1"/>
+          </a:fillRef>
+          <a:effectRef idx="0">
+            <a:schemeClr val="accent1"/>
+          </a:effectRef>
+          <a:fontRef idx="minor">
+            <a:schemeClr val="lt1"/>
+          </a:fontRef>
+        </p:style>
+        <p:txBody>
+          <a:bodyPr rtlCol="0" anchor="ctr"/>
+          <a:lstStyle/>
+          <a:p>
+            <a:pPr algn="ctr"/>
+            <a:endParaRPr lang="en-US"/>
+          </a:p>
+        </p:txBody>
+      </p:sp>
+      <p:sp>
+        <p:nvSpPr>
+          <p:cNvPr id="26" name="TextBox 25">
+            <a:extLst>
+              <a:ext uri="{FF2B5EF4-FFF2-40B4-BE49-F238E27FC236}">
+                <a16:creationId xmlns:a16="http://schemas.microsoft.com/office/drawing/2014/main" id="{0C949433-B6FA-419A-B387-BCEA6D3319CC}"/>
+              </a:ext>
+            </a:extLst>
+          </p:cNvPr>
+          <p:cNvSpPr txBox="1"/>
+          <p:nvPr/>
+        </p:nvSpPr>
+        <p:spPr>
+          <a:xfrm>
+            <a:off x="1418195" y="2290367"/>
+            <a:ext cx="649537" cy="307777"/>
+          </a:xfrm>
+          <a:prstGeom prst="rect">
+            <a:avLst/>
+          </a:prstGeom>
+          <a:noFill/>
+        </p:spPr>
+        <p:txBody>
+          <a:bodyPr wrap="none" rtlCol="0">
+            <a:spAutoFit/>
+          </a:bodyPr>
+          <a:lstStyle/>
+          <a:p>
+            <a:r>
+              <a:rPr lang="en-US" sz="1400" b="1" dirty="0">
+                <a:solidFill>
+                  <a:schemeClr val="bg1"/>
+                </a:solidFill>
+              </a:rPr>
+              <a:t>TRAIN</a:t>
+            </a:r>
+          </a:p>
+        </p:txBody>
+      </p:sp>
+      <p:sp>
+        <p:nvSpPr>
+          <p:cNvPr id="27" name="Arrow: Pentagon 26">
+            <a:extLst>
+              <a:ext uri="{FF2B5EF4-FFF2-40B4-BE49-F238E27FC236}">
+                <a16:creationId xmlns:a16="http://schemas.microsoft.com/office/drawing/2014/main" id="{C2FF3722-2866-43D3-9FF7-776B29A5E605}"/>
+              </a:ext>
+            </a:extLst>
+          </p:cNvPr>
+          <p:cNvSpPr/>
+          <p:nvPr/>
+        </p:nvSpPr>
+        <p:spPr>
+          <a:xfrm>
+            <a:off x="1579998" y="2589297"/>
+            <a:ext cx="1038806" cy="233267"/>
+          </a:xfrm>
+          <a:prstGeom prst="homePlate">
+            <a:avLst/>
+          </a:prstGeom>
+        </p:spPr>
+        <p:style>
+          <a:lnRef idx="2">
+            <a:schemeClr val="accent1">
+              <a:shade val="50000"/>
+            </a:schemeClr>
+          </a:lnRef>
+          <a:fillRef idx="1">
+            <a:schemeClr val="accent1"/>
+          </a:fillRef>
+          <a:effectRef idx="0">
+            <a:schemeClr val="accent1"/>
+          </a:effectRef>
+          <a:fontRef idx="minor">
+            <a:schemeClr val="lt1"/>
+          </a:fontRef>
+        </p:style>
+        <p:txBody>
+          <a:bodyPr rtlCol="0" anchor="ctr"/>
+          <a:lstStyle/>
+          <a:p>
+            <a:pPr algn="ctr"/>
+            <a:endParaRPr lang="en-US"/>
+          </a:p>
+        </p:txBody>
+      </p:sp>
+      <p:sp>
+        <p:nvSpPr>
+          <p:cNvPr id="28" name="TextBox 27">
+            <a:extLst>
+              <a:ext uri="{FF2B5EF4-FFF2-40B4-BE49-F238E27FC236}">
+                <a16:creationId xmlns:a16="http://schemas.microsoft.com/office/drawing/2014/main" id="{724D6E6A-5891-48FC-9F73-FA4B7C54E7BE}"/>
+              </a:ext>
+            </a:extLst>
+          </p:cNvPr>
+          <p:cNvSpPr txBox="1"/>
+          <p:nvPr/>
+        </p:nvSpPr>
+        <p:spPr>
+          <a:xfrm>
+            <a:off x="1542606" y="2545403"/>
+            <a:ext cx="1101584" cy="307777"/>
+          </a:xfrm>
+          <a:prstGeom prst="rect">
+            <a:avLst/>
+          </a:prstGeom>
+          <a:noFill/>
+        </p:spPr>
+        <p:txBody>
+          <a:bodyPr wrap="none" rtlCol="0">
+            <a:spAutoFit/>
+          </a:bodyPr>
+          <a:lstStyle/>
+          <a:p>
+            <a:r>
+              <a:rPr lang="en-US" sz="1400" b="1" dirty="0">
+                <a:solidFill>
+                  <a:schemeClr val="bg1"/>
+                </a:solidFill>
+              </a:rPr>
+              <a:t>IMPLEMENT</a:t>
+            </a:r>
+          </a:p>
+        </p:txBody>
+      </p:sp>
+      <p:sp>
+        <p:nvSpPr>
+          <p:cNvPr id="29" name="Arrow: Pentagon 28">
+            <a:extLst>
+              <a:ext uri="{FF2B5EF4-FFF2-40B4-BE49-F238E27FC236}">
+                <a16:creationId xmlns:a16="http://schemas.microsoft.com/office/drawing/2014/main" id="{38E3A603-B37D-4654-BE3D-CB9112F0F63C}"/>
+              </a:ext>
+            </a:extLst>
+          </p:cNvPr>
+          <p:cNvSpPr/>
+          <p:nvPr/>
+        </p:nvSpPr>
+        <p:spPr>
+          <a:xfrm>
+            <a:off x="1909682" y="2853661"/>
+            <a:ext cx="1038806" cy="233267"/>
+          </a:xfrm>
+          <a:prstGeom prst="homePlate">
+            <a:avLst/>
+          </a:prstGeom>
+        </p:spPr>
+        <p:style>
+          <a:lnRef idx="2">
+            <a:schemeClr val="accent1">
+              <a:shade val="50000"/>
+            </a:schemeClr>
+          </a:lnRef>
+          <a:fillRef idx="1">
+            <a:schemeClr val="accent1"/>
+          </a:fillRef>
+          <a:effectRef idx="0">
+            <a:schemeClr val="accent1"/>
+          </a:effectRef>
+          <a:fontRef idx="minor">
+            <a:schemeClr val="lt1"/>
+          </a:fontRef>
+        </p:style>
+        <p:txBody>
+          <a:bodyPr rtlCol="0" anchor="ctr"/>
+          <a:lstStyle/>
+          <a:p>
+            <a:pPr algn="ctr"/>
+            <a:endParaRPr lang="en-US"/>
+          </a:p>
+        </p:txBody>
+      </p:sp>
+      <p:sp>
+        <p:nvSpPr>
+          <p:cNvPr id="30" name="TextBox 29">
+            <a:extLst>
+              <a:ext uri="{FF2B5EF4-FFF2-40B4-BE49-F238E27FC236}">
+                <a16:creationId xmlns:a16="http://schemas.microsoft.com/office/drawing/2014/main" id="{FC9F7D60-FCE3-4072-A6B4-A41E11B33390}"/>
+              </a:ext>
+            </a:extLst>
+          </p:cNvPr>
+          <p:cNvSpPr txBox="1"/>
+          <p:nvPr/>
+        </p:nvSpPr>
+        <p:spPr>
+          <a:xfrm>
+            <a:off x="2077567" y="2809767"/>
+            <a:ext cx="719941" cy="307777"/>
+          </a:xfrm>
+          <a:prstGeom prst="rect">
+            <a:avLst/>
+          </a:prstGeom>
+          <a:noFill/>
+        </p:spPr>
+        <p:txBody>
+          <a:bodyPr wrap="none" rtlCol="0">
+            <a:spAutoFit/>
+          </a:bodyPr>
+          <a:lstStyle/>
+          <a:p>
+            <a:r>
+              <a:rPr lang="en-US" sz="1400" b="1" dirty="0">
+                <a:solidFill>
+                  <a:schemeClr val="bg1"/>
+                </a:solidFill>
+              </a:rPr>
+              <a:t>ASSESS</a:t>
+            </a:r>
+          </a:p>
+        </p:txBody>
+      </p:sp>
+      <p:sp>
+        <p:nvSpPr>
+          <p:cNvPr id="31" name="Arrow: Pentagon 30">
+            <a:extLst>
+              <a:ext uri="{FF2B5EF4-FFF2-40B4-BE49-F238E27FC236}">
+                <a16:creationId xmlns:a16="http://schemas.microsoft.com/office/drawing/2014/main" id="{0033FA24-C1E5-4021-9225-6B6D619AA589}"/>
+              </a:ext>
+            </a:extLst>
+          </p:cNvPr>
+          <p:cNvSpPr/>
+          <p:nvPr/>
+        </p:nvSpPr>
+        <p:spPr>
+          <a:xfrm>
+            <a:off x="2705880" y="2586193"/>
+            <a:ext cx="1038806" cy="233267"/>
+          </a:xfrm>
+          <a:prstGeom prst="homePlate">
+            <a:avLst/>
+          </a:prstGeom>
+          <a:solidFill>
+            <a:schemeClr val="accent2">
+              <a:lumMod val="60000"/>
+              <a:lumOff val="40000"/>
+            </a:schemeClr>
+          </a:solidFill>
+        </p:spPr>
+        <p:style>
+          <a:lnRef idx="2">
+            <a:schemeClr val="accent1">
+              <a:shade val="50000"/>
+            </a:schemeClr>
+          </a:lnRef>
+          <a:fillRef idx="1">
+            <a:schemeClr val="accent1"/>
+          </a:fillRef>
+          <a:effectRef idx="0">
+            <a:schemeClr val="accent1"/>
+          </a:effectRef>
+          <a:fontRef idx="minor">
+            <a:schemeClr val="lt1"/>
+          </a:fontRef>
+        </p:style>
+        <p:txBody>
+          <a:bodyPr rtlCol="0" anchor="ctr"/>
+          <a:lstStyle/>
+          <a:p>
+            <a:pPr algn="ctr"/>
+            <a:endParaRPr lang="en-US"/>
+          </a:p>
+        </p:txBody>
+      </p:sp>
+      <p:sp>
+        <p:nvSpPr>
+          <p:cNvPr id="32" name="TextBox 31">
+            <a:extLst>
+              <a:ext uri="{FF2B5EF4-FFF2-40B4-BE49-F238E27FC236}">
+                <a16:creationId xmlns:a16="http://schemas.microsoft.com/office/drawing/2014/main" id="{69D70048-E83C-46A8-9B3E-9D5058BD1C0C}"/>
+              </a:ext>
+            </a:extLst>
+          </p:cNvPr>
+          <p:cNvSpPr txBox="1"/>
+          <p:nvPr/>
+        </p:nvSpPr>
+        <p:spPr>
+          <a:xfrm>
+            <a:off x="2911086" y="2542299"/>
+            <a:ext cx="583814" cy="307777"/>
+          </a:xfrm>
+          <a:prstGeom prst="rect">
+            <a:avLst/>
+          </a:prstGeom>
+          <a:noFill/>
+        </p:spPr>
+        <p:txBody>
+          <a:bodyPr wrap="none" rtlCol="0">
+            <a:spAutoFit/>
+          </a:bodyPr>
+          <a:lstStyle/>
+          <a:p>
+            <a:r>
+              <a:rPr lang="en-US" sz="1400" b="1" dirty="0">
+                <a:solidFill>
+                  <a:schemeClr val="bg1"/>
+                </a:solidFill>
+              </a:rPr>
+              <a:t>PLAN</a:t>
+            </a:r>
+          </a:p>
+        </p:txBody>
+      </p:sp>
+      <p:sp>
+        <p:nvSpPr>
+          <p:cNvPr id="33" name="Arrow: Pentagon 32">
+            <a:extLst>
+              <a:ext uri="{FF2B5EF4-FFF2-40B4-BE49-F238E27FC236}">
+                <a16:creationId xmlns:a16="http://schemas.microsoft.com/office/drawing/2014/main" id="{B1FD5D0F-C6A6-4304-805A-AC283E18F9F8}"/>
+              </a:ext>
+            </a:extLst>
+          </p:cNvPr>
+          <p:cNvSpPr/>
+          <p:nvPr/>
+        </p:nvSpPr>
+        <p:spPr>
+          <a:xfrm>
+            <a:off x="3166193" y="2841231"/>
+            <a:ext cx="1038806" cy="233267"/>
+          </a:xfrm>
+          <a:prstGeom prst="homePlate">
+            <a:avLst/>
+          </a:prstGeom>
+          <a:solidFill>
+            <a:schemeClr val="accent2">
+              <a:lumMod val="60000"/>
+              <a:lumOff val="40000"/>
+            </a:schemeClr>
+          </a:solidFill>
+        </p:spPr>
+        <p:style>
+          <a:lnRef idx="2">
+            <a:schemeClr val="accent1">
+              <a:shade val="50000"/>
+            </a:schemeClr>
+          </a:lnRef>
+          <a:fillRef idx="1">
+            <a:schemeClr val="accent1"/>
+          </a:fillRef>
+          <a:effectRef idx="0">
+            <a:schemeClr val="accent1"/>
+          </a:effectRef>
+          <a:fontRef idx="minor">
+            <a:schemeClr val="lt1"/>
+          </a:fontRef>
+        </p:style>
+        <p:txBody>
+          <a:bodyPr rtlCol="0" anchor="ctr"/>
+          <a:lstStyle/>
+          <a:p>
+            <a:pPr algn="ctr"/>
+            <a:endParaRPr lang="en-US"/>
+          </a:p>
+        </p:txBody>
+      </p:sp>
+      <p:sp>
+        <p:nvSpPr>
+          <p:cNvPr id="34" name="TextBox 33">
+            <a:extLst>
+              <a:ext uri="{FF2B5EF4-FFF2-40B4-BE49-F238E27FC236}">
+                <a16:creationId xmlns:a16="http://schemas.microsoft.com/office/drawing/2014/main" id="{65C79466-ECBC-4ADF-B27A-62BC781AEF24}"/>
+              </a:ext>
+            </a:extLst>
+          </p:cNvPr>
+          <p:cNvSpPr txBox="1"/>
+          <p:nvPr/>
+        </p:nvSpPr>
+        <p:spPr>
+          <a:xfrm>
+            <a:off x="3371399" y="2797337"/>
+            <a:ext cx="649537" cy="307777"/>
+          </a:xfrm>
+          <a:prstGeom prst="rect">
+            <a:avLst/>
+          </a:prstGeom>
+          <a:noFill/>
+        </p:spPr>
+        <p:txBody>
+          <a:bodyPr wrap="none" rtlCol="0">
+            <a:spAutoFit/>
+          </a:bodyPr>
+          <a:lstStyle/>
+          <a:p>
+            <a:r>
+              <a:rPr lang="en-US" sz="1400" b="1" dirty="0">
+                <a:solidFill>
+                  <a:schemeClr val="bg1"/>
+                </a:solidFill>
+              </a:rPr>
+              <a:t>TRAIN</a:t>
+            </a:r>
+          </a:p>
+        </p:txBody>
+      </p:sp>
+      <p:sp>
+        <p:nvSpPr>
+          <p:cNvPr id="35" name="Arrow: Pentagon 34">
+            <a:extLst>
+              <a:ext uri="{FF2B5EF4-FFF2-40B4-BE49-F238E27FC236}">
+                <a16:creationId xmlns:a16="http://schemas.microsoft.com/office/drawing/2014/main" id="{4F8DA8AC-4B4D-4687-9C58-917ABE02BD7A}"/>
+              </a:ext>
+            </a:extLst>
+          </p:cNvPr>
+          <p:cNvSpPr/>
+          <p:nvPr/>
+        </p:nvSpPr>
+        <p:spPr>
+          <a:xfrm>
+            <a:off x="3533202" y="3096267"/>
+            <a:ext cx="1038806" cy="233267"/>
+          </a:xfrm>
+          <a:prstGeom prst="homePlate">
+            <a:avLst/>
+          </a:prstGeom>
+          <a:solidFill>
+            <a:schemeClr val="accent2">
+              <a:lumMod val="60000"/>
+              <a:lumOff val="40000"/>
+            </a:schemeClr>
+          </a:solidFill>
+        </p:spPr>
+        <p:style>
+          <a:lnRef idx="2">
+            <a:schemeClr val="accent1">
+              <a:shade val="50000"/>
+            </a:schemeClr>
+          </a:lnRef>
+          <a:fillRef idx="1">
+            <a:schemeClr val="accent1"/>
+          </a:fillRef>
+          <a:effectRef idx="0">
+            <a:schemeClr val="accent1"/>
+          </a:effectRef>
+          <a:fontRef idx="minor">
+            <a:schemeClr val="lt1"/>
+          </a:fontRef>
+        </p:style>
+        <p:txBody>
+          <a:bodyPr rtlCol="0" anchor="ctr"/>
+          <a:lstStyle/>
+          <a:p>
+            <a:pPr algn="ctr"/>
+            <a:endParaRPr lang="en-US"/>
+          </a:p>
+        </p:txBody>
+      </p:sp>
+      <p:sp>
+        <p:nvSpPr>
+          <p:cNvPr id="37" name="Arrow: Pentagon 36">
+            <a:extLst>
+              <a:ext uri="{FF2B5EF4-FFF2-40B4-BE49-F238E27FC236}">
+                <a16:creationId xmlns:a16="http://schemas.microsoft.com/office/drawing/2014/main" id="{9DC819C5-4424-4D5C-8A0E-30928286DDEC}"/>
+              </a:ext>
+            </a:extLst>
+          </p:cNvPr>
+          <p:cNvSpPr/>
+          <p:nvPr/>
+        </p:nvSpPr>
+        <p:spPr>
+          <a:xfrm>
+            <a:off x="3862886" y="3360631"/>
+            <a:ext cx="1038806" cy="233267"/>
+          </a:xfrm>
+          <a:prstGeom prst="homePlate">
+            <a:avLst/>
+          </a:prstGeom>
+          <a:solidFill>
+            <a:schemeClr val="accent2">
+              <a:lumMod val="60000"/>
+              <a:lumOff val="40000"/>
+            </a:schemeClr>
+          </a:solidFill>
+        </p:spPr>
+        <p:style>
+          <a:lnRef idx="2">
+            <a:schemeClr val="accent1">
+              <a:shade val="50000"/>
+            </a:schemeClr>
+          </a:lnRef>
+          <a:fillRef idx="1">
+            <a:schemeClr val="accent1"/>
+          </a:fillRef>
+          <a:effectRef idx="0">
+            <a:schemeClr val="accent1"/>
+          </a:effectRef>
+          <a:fontRef idx="minor">
+            <a:schemeClr val="lt1"/>
+          </a:fontRef>
+        </p:style>
+        <p:txBody>
+          <a:bodyPr rtlCol="0" anchor="ctr"/>
+          <a:lstStyle/>
+          <a:p>
+            <a:pPr algn="ctr"/>
+            <a:endParaRPr lang="en-US"/>
+          </a:p>
+        </p:txBody>
+      </p:sp>
+      <p:sp>
+        <p:nvSpPr>
+          <p:cNvPr id="38" name="TextBox 37">
+            <a:extLst>
+              <a:ext uri="{FF2B5EF4-FFF2-40B4-BE49-F238E27FC236}">
+                <a16:creationId xmlns:a16="http://schemas.microsoft.com/office/drawing/2014/main" id="{18FFC071-C972-49E9-A9CC-C969487234B4}"/>
+              </a:ext>
+            </a:extLst>
+          </p:cNvPr>
+          <p:cNvSpPr txBox="1"/>
+          <p:nvPr/>
+        </p:nvSpPr>
+        <p:spPr>
+          <a:xfrm>
+            <a:off x="4030771" y="3316737"/>
+            <a:ext cx="719941" cy="307777"/>
+          </a:xfrm>
+          <a:prstGeom prst="rect">
+            <a:avLst/>
+          </a:prstGeom>
+          <a:noFill/>
+        </p:spPr>
+        <p:txBody>
+          <a:bodyPr wrap="none" rtlCol="0">
+            <a:spAutoFit/>
+          </a:bodyPr>
+          <a:lstStyle/>
+          <a:p>
+            <a:r>
+              <a:rPr lang="en-US" sz="1400" b="1" dirty="0">
+                <a:solidFill>
+                  <a:schemeClr val="bg1"/>
+                </a:solidFill>
+              </a:rPr>
+              <a:t>ASSESS</a:t>
+            </a:r>
+          </a:p>
+        </p:txBody>
+      </p:sp>
+      <p:sp>
+        <p:nvSpPr>
+          <p:cNvPr id="39" name="TextBox 38">
+            <a:extLst>
+              <a:ext uri="{FF2B5EF4-FFF2-40B4-BE49-F238E27FC236}">
+                <a16:creationId xmlns:a16="http://schemas.microsoft.com/office/drawing/2014/main" id="{6F087D03-4B15-45F7-BA63-FA6692AAA20F}"/>
+              </a:ext>
+            </a:extLst>
+          </p:cNvPr>
+          <p:cNvSpPr txBox="1"/>
+          <p:nvPr/>
+        </p:nvSpPr>
+        <p:spPr>
+          <a:xfrm>
+            <a:off x="3482603" y="3048477"/>
+            <a:ext cx="1101584" cy="307777"/>
+          </a:xfrm>
+          <a:prstGeom prst="rect">
+            <a:avLst/>
+          </a:prstGeom>
+          <a:noFill/>
+        </p:spPr>
+        <p:txBody>
+          <a:bodyPr wrap="none" rtlCol="0">
+            <a:spAutoFit/>
+          </a:bodyPr>
+          <a:lstStyle/>
+          <a:p>
+            <a:r>
+              <a:rPr lang="en-US" sz="1400" b="1" dirty="0">
+                <a:solidFill>
+                  <a:schemeClr val="bg1"/>
+                </a:solidFill>
+              </a:rPr>
+              <a:t>IMPLEMENT</a:t>
+            </a:r>
+          </a:p>
+        </p:txBody>
+      </p:sp>
+      <p:sp>
+        <p:nvSpPr>
+          <p:cNvPr id="40" name="Arrow: Pentagon 39">
+            <a:extLst>
+              <a:ext uri="{FF2B5EF4-FFF2-40B4-BE49-F238E27FC236}">
+                <a16:creationId xmlns:a16="http://schemas.microsoft.com/office/drawing/2014/main" id="{637F7821-4F73-4248-970D-08D9CC68DE7D}"/>
+              </a:ext>
+            </a:extLst>
+          </p:cNvPr>
+          <p:cNvSpPr/>
+          <p:nvPr/>
+        </p:nvSpPr>
+        <p:spPr>
+          <a:xfrm>
+            <a:off x="4640427" y="3074499"/>
+            <a:ext cx="1038806" cy="233267"/>
+          </a:xfrm>
+          <a:prstGeom prst="homePlate">
+            <a:avLst/>
+          </a:prstGeom>
+          <a:solidFill>
+            <a:schemeClr val="bg1">
+              <a:lumMod val="75000"/>
+            </a:schemeClr>
+          </a:solidFill>
+        </p:spPr>
+        <p:style>
+          <a:lnRef idx="2">
+            <a:schemeClr val="accent1">
+              <a:shade val="50000"/>
+            </a:schemeClr>
+          </a:lnRef>
+          <a:fillRef idx="1">
+            <a:schemeClr val="accent1"/>
+          </a:fillRef>
+          <a:effectRef idx="0">
+            <a:schemeClr val="accent1"/>
+          </a:effectRef>
+          <a:fontRef idx="minor">
+            <a:schemeClr val="lt1"/>
+          </a:fontRef>
+        </p:style>
+        <p:txBody>
+          <a:bodyPr rtlCol="0" anchor="ctr"/>
+          <a:lstStyle/>
+          <a:p>
+            <a:pPr algn="ctr"/>
+            <a:endParaRPr lang="en-US"/>
+          </a:p>
+        </p:txBody>
+      </p:sp>
+      <p:sp>
+        <p:nvSpPr>
+          <p:cNvPr id="41" name="TextBox 40">
+            <a:extLst>
+              <a:ext uri="{FF2B5EF4-FFF2-40B4-BE49-F238E27FC236}">
+                <a16:creationId xmlns:a16="http://schemas.microsoft.com/office/drawing/2014/main" id="{A78F0B9F-2563-4DCD-AA81-D629E6B6EDAB}"/>
+              </a:ext>
+            </a:extLst>
+          </p:cNvPr>
+          <p:cNvSpPr txBox="1"/>
+          <p:nvPr/>
+        </p:nvSpPr>
+        <p:spPr>
+          <a:xfrm>
+            <a:off x="4845633" y="3030605"/>
+            <a:ext cx="583814" cy="307777"/>
+          </a:xfrm>
+          <a:prstGeom prst="rect">
+            <a:avLst/>
+          </a:prstGeom>
+          <a:noFill/>
+        </p:spPr>
+        <p:txBody>
+          <a:bodyPr wrap="none" rtlCol="0">
+            <a:spAutoFit/>
+          </a:bodyPr>
+          <a:lstStyle/>
+          <a:p>
+            <a:r>
+              <a:rPr lang="en-US" sz="1400" b="1" dirty="0">
+                <a:solidFill>
+                  <a:schemeClr val="bg1"/>
+                </a:solidFill>
+              </a:rPr>
+              <a:t>PLAN</a:t>
+            </a:r>
+          </a:p>
+        </p:txBody>
+      </p:sp>
+      <p:sp>
+        <p:nvSpPr>
+          <p:cNvPr id="42" name="Arrow: Pentagon 41">
+            <a:extLst>
+              <a:ext uri="{FF2B5EF4-FFF2-40B4-BE49-F238E27FC236}">
+                <a16:creationId xmlns:a16="http://schemas.microsoft.com/office/drawing/2014/main" id="{C7C4EC4A-0A1A-45ED-9DF9-5048C6C11A6D}"/>
+              </a:ext>
+            </a:extLst>
+          </p:cNvPr>
+          <p:cNvSpPr/>
+          <p:nvPr/>
+        </p:nvSpPr>
+        <p:spPr>
+          <a:xfrm>
+            <a:off x="4914124" y="3329537"/>
+            <a:ext cx="1038806" cy="233267"/>
+          </a:xfrm>
+          <a:prstGeom prst="homePlate">
+            <a:avLst/>
+          </a:prstGeom>
+          <a:solidFill>
+            <a:schemeClr val="bg1">
+              <a:lumMod val="75000"/>
+            </a:schemeClr>
+          </a:solidFill>
+        </p:spPr>
+        <p:style>
+          <a:lnRef idx="2">
+            <a:schemeClr val="accent1">
+              <a:shade val="50000"/>
+            </a:schemeClr>
+          </a:lnRef>
+          <a:fillRef idx="1">
+            <a:schemeClr val="accent1"/>
+          </a:fillRef>
+          <a:effectRef idx="0">
+            <a:schemeClr val="accent1"/>
+          </a:effectRef>
+          <a:fontRef idx="minor">
+            <a:schemeClr val="lt1"/>
+          </a:fontRef>
+        </p:style>
+        <p:txBody>
+          <a:bodyPr rtlCol="0" anchor="ctr"/>
+          <a:lstStyle/>
+          <a:p>
+            <a:pPr algn="ctr"/>
+            <a:endParaRPr lang="en-US"/>
+          </a:p>
+        </p:txBody>
+      </p:sp>
+      <p:sp>
+        <p:nvSpPr>
+          <p:cNvPr id="43" name="TextBox 42">
+            <a:extLst>
+              <a:ext uri="{FF2B5EF4-FFF2-40B4-BE49-F238E27FC236}">
+                <a16:creationId xmlns:a16="http://schemas.microsoft.com/office/drawing/2014/main" id="{F54A18BB-F61B-4204-B4B4-ABD385259293}"/>
+              </a:ext>
+            </a:extLst>
+          </p:cNvPr>
+          <p:cNvSpPr txBox="1"/>
+          <p:nvPr/>
+        </p:nvSpPr>
+        <p:spPr>
+          <a:xfrm>
+            <a:off x="5119330" y="3285643"/>
+            <a:ext cx="649537" cy="307777"/>
+          </a:xfrm>
+          <a:prstGeom prst="rect">
+            <a:avLst/>
+          </a:prstGeom>
+          <a:noFill/>
+        </p:spPr>
+        <p:txBody>
+          <a:bodyPr wrap="none" rtlCol="0">
+            <a:spAutoFit/>
+          </a:bodyPr>
+          <a:lstStyle/>
+          <a:p>
+            <a:r>
+              <a:rPr lang="en-US" sz="1400" b="1" dirty="0">
+                <a:solidFill>
+                  <a:schemeClr val="bg1"/>
+                </a:solidFill>
+              </a:rPr>
+              <a:t>TRAIN</a:t>
+            </a:r>
+          </a:p>
+        </p:txBody>
+      </p:sp>
+      <p:sp>
+        <p:nvSpPr>
+          <p:cNvPr id="44" name="Arrow: Pentagon 43">
+            <a:extLst>
+              <a:ext uri="{FF2B5EF4-FFF2-40B4-BE49-F238E27FC236}">
+                <a16:creationId xmlns:a16="http://schemas.microsoft.com/office/drawing/2014/main" id="{1B978757-6B68-40BD-AA5E-E111F98A0B7D}"/>
+              </a:ext>
+            </a:extLst>
+          </p:cNvPr>
+          <p:cNvSpPr/>
+          <p:nvPr/>
+        </p:nvSpPr>
+        <p:spPr>
+          <a:xfrm>
+            <a:off x="5103849" y="3584573"/>
+            <a:ext cx="1038806" cy="233267"/>
+          </a:xfrm>
+          <a:prstGeom prst="homePlate">
+            <a:avLst/>
+          </a:prstGeom>
+          <a:solidFill>
+            <a:schemeClr val="bg1">
+              <a:lumMod val="75000"/>
+            </a:schemeClr>
+          </a:solidFill>
+        </p:spPr>
+        <p:style>
+          <a:lnRef idx="2">
+            <a:schemeClr val="accent1">
+              <a:shade val="50000"/>
+            </a:schemeClr>
+          </a:lnRef>
+          <a:fillRef idx="1">
+            <a:schemeClr val="accent1"/>
+          </a:fillRef>
+          <a:effectRef idx="0">
+            <a:schemeClr val="accent1"/>
+          </a:effectRef>
+          <a:fontRef idx="minor">
+            <a:schemeClr val="lt1"/>
+          </a:fontRef>
+        </p:style>
+        <p:txBody>
+          <a:bodyPr rtlCol="0" anchor="ctr"/>
+          <a:lstStyle/>
+          <a:p>
+            <a:pPr algn="ctr"/>
+            <a:endParaRPr lang="en-US"/>
+          </a:p>
+        </p:txBody>
+      </p:sp>
+      <p:sp>
+        <p:nvSpPr>
+          <p:cNvPr id="45" name="Arrow: Pentagon 44">
+            <a:extLst>
+              <a:ext uri="{FF2B5EF4-FFF2-40B4-BE49-F238E27FC236}">
+                <a16:creationId xmlns:a16="http://schemas.microsoft.com/office/drawing/2014/main" id="{E6857990-6C89-4E43-B61F-B4385B20E63B}"/>
+              </a:ext>
+            </a:extLst>
+          </p:cNvPr>
+          <p:cNvSpPr/>
+          <p:nvPr/>
+        </p:nvSpPr>
+        <p:spPr>
+          <a:xfrm>
+            <a:off x="5302901" y="3848937"/>
+            <a:ext cx="1038806" cy="233267"/>
+          </a:xfrm>
+          <a:prstGeom prst="homePlate">
+            <a:avLst/>
+          </a:prstGeom>
+          <a:solidFill>
+            <a:schemeClr val="bg1">
+              <a:lumMod val="75000"/>
+            </a:schemeClr>
+          </a:solidFill>
+        </p:spPr>
+        <p:style>
+          <a:lnRef idx="2">
+            <a:schemeClr val="accent1">
+              <a:shade val="50000"/>
+            </a:schemeClr>
+          </a:lnRef>
+          <a:fillRef idx="1">
+            <a:schemeClr val="accent1"/>
+          </a:fillRef>
+          <a:effectRef idx="0">
+            <a:schemeClr val="accent1"/>
+          </a:effectRef>
+          <a:fontRef idx="minor">
+            <a:schemeClr val="lt1"/>
+          </a:fontRef>
+        </p:style>
+        <p:txBody>
+          <a:bodyPr rtlCol="0" anchor="ctr"/>
+          <a:lstStyle/>
+          <a:p>
+            <a:pPr algn="ctr"/>
+            <a:endParaRPr lang="en-US"/>
+          </a:p>
+        </p:txBody>
+      </p:sp>
+      <p:sp>
+        <p:nvSpPr>
+          <p:cNvPr id="46" name="TextBox 45">
+            <a:extLst>
+              <a:ext uri="{FF2B5EF4-FFF2-40B4-BE49-F238E27FC236}">
+                <a16:creationId xmlns:a16="http://schemas.microsoft.com/office/drawing/2014/main" id="{86D8ED79-1B5E-4CD2-83A3-1269A47C32BF}"/>
+              </a:ext>
+            </a:extLst>
+          </p:cNvPr>
+          <p:cNvSpPr txBox="1"/>
+          <p:nvPr/>
+        </p:nvSpPr>
+        <p:spPr>
+          <a:xfrm>
+            <a:off x="5470786" y="3805043"/>
+            <a:ext cx="719941" cy="307777"/>
+          </a:xfrm>
+          <a:prstGeom prst="rect">
+            <a:avLst/>
+          </a:prstGeom>
+          <a:noFill/>
+        </p:spPr>
+        <p:txBody>
+          <a:bodyPr wrap="none" rtlCol="0">
+            <a:spAutoFit/>
+          </a:bodyPr>
+          <a:lstStyle/>
+          <a:p>
+            <a:r>
+              <a:rPr lang="en-US" sz="1400" b="1" dirty="0">
+                <a:solidFill>
+                  <a:schemeClr val="bg1"/>
+                </a:solidFill>
+              </a:rPr>
+              <a:t>ASSESS</a:t>
+            </a:r>
+          </a:p>
+        </p:txBody>
+      </p:sp>
+      <p:sp>
+        <p:nvSpPr>
+          <p:cNvPr id="48" name="TextBox 47">
+            <a:extLst>
+              <a:ext uri="{FF2B5EF4-FFF2-40B4-BE49-F238E27FC236}">
+                <a16:creationId xmlns:a16="http://schemas.microsoft.com/office/drawing/2014/main" id="{1E659CB8-B0A2-458A-8D40-98E48AACAE03}"/>
+              </a:ext>
+            </a:extLst>
+          </p:cNvPr>
+          <p:cNvSpPr txBox="1"/>
+          <p:nvPr/>
+        </p:nvSpPr>
+        <p:spPr>
+          <a:xfrm>
+            <a:off x="5063351" y="3546895"/>
+            <a:ext cx="1101584" cy="307777"/>
+          </a:xfrm>
+          <a:prstGeom prst="rect">
+            <a:avLst/>
+          </a:prstGeom>
+          <a:noFill/>
+        </p:spPr>
+        <p:txBody>
+          <a:bodyPr wrap="none" rtlCol="0">
+            <a:spAutoFit/>
+          </a:bodyPr>
+          <a:lstStyle/>
+          <a:p>
+            <a:r>
+              <a:rPr lang="en-US" sz="1400" b="1" dirty="0">
+                <a:solidFill>
+                  <a:schemeClr val="bg1"/>
+                </a:solidFill>
+              </a:rPr>
+              <a:t>IMPLEMENT</a:t>
+            </a:r>
+          </a:p>
+        </p:txBody>
+      </p:sp>
+      <p:sp>
+        <p:nvSpPr>
+          <p:cNvPr id="49" name="Arrow: Pentagon 48">
+            <a:extLst>
+              <a:ext uri="{FF2B5EF4-FFF2-40B4-BE49-F238E27FC236}">
+                <a16:creationId xmlns:a16="http://schemas.microsoft.com/office/drawing/2014/main" id="{50DC280E-BB31-4D76-ABAE-494B3A303E1F}"/>
+              </a:ext>
+            </a:extLst>
+          </p:cNvPr>
+          <p:cNvSpPr/>
+          <p:nvPr/>
+        </p:nvSpPr>
+        <p:spPr>
+          <a:xfrm>
+            <a:off x="6173760" y="3572137"/>
+            <a:ext cx="1038806" cy="233267"/>
+          </a:xfrm>
+          <a:prstGeom prst="homePlate">
+            <a:avLst/>
+          </a:prstGeom>
+          <a:solidFill>
+            <a:schemeClr val="accent6">
+              <a:lumMod val="60000"/>
+              <a:lumOff val="40000"/>
+            </a:schemeClr>
+          </a:solidFill>
+        </p:spPr>
+        <p:style>
+          <a:lnRef idx="2">
+            <a:schemeClr val="accent1">
+              <a:shade val="50000"/>
+            </a:schemeClr>
+          </a:lnRef>
+          <a:fillRef idx="1">
+            <a:schemeClr val="accent1"/>
+          </a:fillRef>
+          <a:effectRef idx="0">
+            <a:schemeClr val="accent1"/>
+          </a:effectRef>
+          <a:fontRef idx="minor">
+            <a:schemeClr val="lt1"/>
+          </a:fontRef>
+        </p:style>
+        <p:txBody>
+          <a:bodyPr rtlCol="0" anchor="ctr"/>
+          <a:lstStyle/>
+          <a:p>
+            <a:pPr algn="ctr"/>
+            <a:endParaRPr lang="en-US"/>
+          </a:p>
+        </p:txBody>
+      </p:sp>
+      <p:sp>
+        <p:nvSpPr>
+          <p:cNvPr id="50" name="TextBox 49">
+            <a:extLst>
+              <a:ext uri="{FF2B5EF4-FFF2-40B4-BE49-F238E27FC236}">
+                <a16:creationId xmlns:a16="http://schemas.microsoft.com/office/drawing/2014/main" id="{8B25C260-160B-4A87-9F59-0373222DF340}"/>
+              </a:ext>
+            </a:extLst>
+          </p:cNvPr>
+          <p:cNvSpPr txBox="1"/>
+          <p:nvPr/>
+        </p:nvSpPr>
+        <p:spPr>
+          <a:xfrm>
+            <a:off x="6378966" y="3528243"/>
+            <a:ext cx="583814" cy="307777"/>
+          </a:xfrm>
+          <a:prstGeom prst="rect">
+            <a:avLst/>
+          </a:prstGeom>
+          <a:noFill/>
+        </p:spPr>
+        <p:txBody>
+          <a:bodyPr wrap="none" rtlCol="0">
+            <a:spAutoFit/>
+          </a:bodyPr>
+          <a:lstStyle/>
+          <a:p>
+            <a:r>
+              <a:rPr lang="en-US" sz="1400" b="1" dirty="0">
+                <a:solidFill>
+                  <a:schemeClr val="bg1"/>
+                </a:solidFill>
+              </a:rPr>
+              <a:t>PLAN</a:t>
+            </a:r>
+          </a:p>
+        </p:txBody>
+      </p:sp>
+      <p:sp>
+        <p:nvSpPr>
+          <p:cNvPr id="51" name="Arrow: Pentagon 50">
+            <a:extLst>
+              <a:ext uri="{FF2B5EF4-FFF2-40B4-BE49-F238E27FC236}">
+                <a16:creationId xmlns:a16="http://schemas.microsoft.com/office/drawing/2014/main" id="{104FAEBB-E2A1-45EC-BF58-647C76DDBEA2}"/>
+              </a:ext>
+            </a:extLst>
+          </p:cNvPr>
+          <p:cNvSpPr/>
+          <p:nvPr/>
+        </p:nvSpPr>
+        <p:spPr>
+          <a:xfrm>
+            <a:off x="6354147" y="3827175"/>
+            <a:ext cx="1038806" cy="233267"/>
+          </a:xfrm>
+          <a:prstGeom prst="homePlate">
+            <a:avLst/>
+          </a:prstGeom>
+          <a:solidFill>
+            <a:schemeClr val="accent6">
+              <a:lumMod val="60000"/>
+              <a:lumOff val="40000"/>
+            </a:schemeClr>
+          </a:solidFill>
+        </p:spPr>
+        <p:style>
+          <a:lnRef idx="2">
+            <a:schemeClr val="accent1">
+              <a:shade val="50000"/>
+            </a:schemeClr>
+          </a:lnRef>
+          <a:fillRef idx="1">
+            <a:schemeClr val="accent1"/>
+          </a:fillRef>
+          <a:effectRef idx="0">
+            <a:schemeClr val="accent1"/>
+          </a:effectRef>
+          <a:fontRef idx="minor">
+            <a:schemeClr val="lt1"/>
+          </a:fontRef>
+        </p:style>
+        <p:txBody>
+          <a:bodyPr rtlCol="0" anchor="ctr"/>
+          <a:lstStyle/>
+          <a:p>
+            <a:pPr algn="ctr"/>
+            <a:endParaRPr lang="en-US"/>
+          </a:p>
+        </p:txBody>
+      </p:sp>
+      <p:sp>
+        <p:nvSpPr>
+          <p:cNvPr id="52" name="TextBox 51">
+            <a:extLst>
+              <a:ext uri="{FF2B5EF4-FFF2-40B4-BE49-F238E27FC236}">
+                <a16:creationId xmlns:a16="http://schemas.microsoft.com/office/drawing/2014/main" id="{95F58365-D5A5-4AE1-98A4-99BB49E63120}"/>
+              </a:ext>
+            </a:extLst>
+          </p:cNvPr>
+          <p:cNvSpPr txBox="1"/>
+          <p:nvPr/>
+        </p:nvSpPr>
+        <p:spPr>
+          <a:xfrm>
+            <a:off x="6559353" y="3783281"/>
+            <a:ext cx="649537" cy="307777"/>
+          </a:xfrm>
+          <a:prstGeom prst="rect">
+            <a:avLst/>
+          </a:prstGeom>
+          <a:noFill/>
+        </p:spPr>
+        <p:txBody>
+          <a:bodyPr wrap="none" rtlCol="0">
+            <a:spAutoFit/>
+          </a:bodyPr>
+          <a:lstStyle/>
+          <a:p>
+            <a:r>
+              <a:rPr lang="en-US" sz="1400" b="1" dirty="0">
+                <a:solidFill>
+                  <a:schemeClr val="bg1"/>
+                </a:solidFill>
+              </a:rPr>
+              <a:t>TRAIN</a:t>
+            </a:r>
+          </a:p>
+        </p:txBody>
+      </p:sp>
+      <p:sp>
+        <p:nvSpPr>
+          <p:cNvPr id="53" name="Arrow: Pentagon 52">
+            <a:extLst>
+              <a:ext uri="{FF2B5EF4-FFF2-40B4-BE49-F238E27FC236}">
+                <a16:creationId xmlns:a16="http://schemas.microsoft.com/office/drawing/2014/main" id="{8E903F8E-D591-481A-A1AC-109750466158}"/>
+              </a:ext>
+            </a:extLst>
+          </p:cNvPr>
+          <p:cNvSpPr/>
+          <p:nvPr/>
+        </p:nvSpPr>
+        <p:spPr>
+          <a:xfrm>
+            <a:off x="6506553" y="4082211"/>
+            <a:ext cx="1038806" cy="233267"/>
+          </a:xfrm>
+          <a:prstGeom prst="homePlate">
+            <a:avLst/>
+          </a:prstGeom>
+          <a:solidFill>
+            <a:schemeClr val="accent6">
+              <a:lumMod val="60000"/>
+              <a:lumOff val="40000"/>
+            </a:schemeClr>
+          </a:solidFill>
+        </p:spPr>
+        <p:style>
+          <a:lnRef idx="2">
+            <a:schemeClr val="accent1">
+              <a:shade val="50000"/>
+            </a:schemeClr>
+          </a:lnRef>
+          <a:fillRef idx="1">
+            <a:schemeClr val="accent1"/>
+          </a:fillRef>
+          <a:effectRef idx="0">
+            <a:schemeClr val="accent1"/>
+          </a:effectRef>
+          <a:fontRef idx="minor">
+            <a:schemeClr val="lt1"/>
+          </a:fontRef>
+        </p:style>
+        <p:txBody>
+          <a:bodyPr rtlCol="0" anchor="ctr"/>
+          <a:lstStyle/>
+          <a:p>
+            <a:pPr algn="ctr"/>
+            <a:endParaRPr lang="en-US"/>
+          </a:p>
+        </p:txBody>
+      </p:sp>
+      <p:sp>
+        <p:nvSpPr>
+          <p:cNvPr id="54" name="Arrow: Pentagon 53">
+            <a:extLst>
+              <a:ext uri="{FF2B5EF4-FFF2-40B4-BE49-F238E27FC236}">
+                <a16:creationId xmlns:a16="http://schemas.microsoft.com/office/drawing/2014/main" id="{0255BE47-7F6F-4C82-AF8E-3C8B5D1E3D17}"/>
+              </a:ext>
+            </a:extLst>
+          </p:cNvPr>
+          <p:cNvSpPr/>
+          <p:nvPr/>
+        </p:nvSpPr>
+        <p:spPr>
+          <a:xfrm>
+            <a:off x="6761586" y="4346575"/>
+            <a:ext cx="1038806" cy="233267"/>
+          </a:xfrm>
+          <a:prstGeom prst="homePlate">
+            <a:avLst/>
+          </a:prstGeom>
+          <a:solidFill>
+            <a:schemeClr val="accent6">
+              <a:lumMod val="60000"/>
+              <a:lumOff val="40000"/>
+            </a:schemeClr>
+          </a:solidFill>
+        </p:spPr>
+        <p:style>
+          <a:lnRef idx="2">
+            <a:schemeClr val="accent1">
+              <a:shade val="50000"/>
+            </a:schemeClr>
+          </a:lnRef>
+          <a:fillRef idx="1">
+            <a:schemeClr val="accent1"/>
+          </a:fillRef>
+          <a:effectRef idx="0">
+            <a:schemeClr val="accent1"/>
+          </a:effectRef>
+          <a:fontRef idx="minor">
+            <a:schemeClr val="lt1"/>
+          </a:fontRef>
+        </p:style>
+        <p:txBody>
+          <a:bodyPr rtlCol="0" anchor="ctr"/>
+          <a:lstStyle/>
+          <a:p>
+            <a:pPr algn="ctr"/>
+            <a:endParaRPr lang="en-US"/>
+          </a:p>
+        </p:txBody>
+      </p:sp>
+      <p:sp>
+        <p:nvSpPr>
+          <p:cNvPr id="55" name="TextBox 54">
+            <a:extLst>
+              <a:ext uri="{FF2B5EF4-FFF2-40B4-BE49-F238E27FC236}">
+                <a16:creationId xmlns:a16="http://schemas.microsoft.com/office/drawing/2014/main" id="{7F26E22F-F67F-43F7-91B4-7B6B1B9D0169}"/>
+              </a:ext>
+            </a:extLst>
+          </p:cNvPr>
+          <p:cNvSpPr txBox="1"/>
+          <p:nvPr/>
+        </p:nvSpPr>
+        <p:spPr>
+          <a:xfrm>
+            <a:off x="6929471" y="4302681"/>
+            <a:ext cx="719941" cy="307777"/>
+          </a:xfrm>
+          <a:prstGeom prst="rect">
+            <a:avLst/>
+          </a:prstGeom>
+          <a:noFill/>
+        </p:spPr>
+        <p:txBody>
+          <a:bodyPr wrap="none" rtlCol="0">
+            <a:spAutoFit/>
+          </a:bodyPr>
+          <a:lstStyle/>
+          <a:p>
+            <a:r>
+              <a:rPr lang="en-US" sz="1400" b="1" dirty="0">
+                <a:solidFill>
+                  <a:schemeClr val="bg1"/>
+                </a:solidFill>
+              </a:rPr>
+              <a:t>ASSESS</a:t>
+            </a:r>
+          </a:p>
+        </p:txBody>
+      </p:sp>
+      <p:sp>
+        <p:nvSpPr>
+          <p:cNvPr id="57" name="TextBox 56">
+            <a:extLst>
+              <a:ext uri="{FF2B5EF4-FFF2-40B4-BE49-F238E27FC236}">
+                <a16:creationId xmlns:a16="http://schemas.microsoft.com/office/drawing/2014/main" id="{0EBC8F5D-4748-4738-92A9-2E51F707552F}"/>
+              </a:ext>
+            </a:extLst>
+          </p:cNvPr>
+          <p:cNvSpPr txBox="1"/>
+          <p:nvPr/>
+        </p:nvSpPr>
+        <p:spPr>
+          <a:xfrm>
+            <a:off x="6455299" y="4044955"/>
+            <a:ext cx="1101584" cy="307777"/>
+          </a:xfrm>
+          <a:prstGeom prst="rect">
+            <a:avLst/>
+          </a:prstGeom>
+          <a:noFill/>
+        </p:spPr>
+        <p:txBody>
+          <a:bodyPr wrap="none" rtlCol="0">
+            <a:spAutoFit/>
+          </a:bodyPr>
+          <a:lstStyle/>
+          <a:p>
+            <a:r>
+              <a:rPr lang="en-US" sz="1400" b="1" dirty="0">
+                <a:solidFill>
+                  <a:schemeClr val="bg1"/>
+                </a:solidFill>
+              </a:rPr>
+              <a:t>IMPLEMENT</a:t>
+            </a:r>
+          </a:p>
+        </p:txBody>
+      </p:sp>
+      <p:sp>
+        <p:nvSpPr>
+          <p:cNvPr id="58" name="TextBox 57">
+            <a:extLst>
+              <a:ext uri="{FF2B5EF4-FFF2-40B4-BE49-F238E27FC236}">
+                <a16:creationId xmlns:a16="http://schemas.microsoft.com/office/drawing/2014/main" id="{67297353-EE6B-4B21-87A8-CDF9C5E8A416}"/>
+              </a:ext>
+            </a:extLst>
+          </p:cNvPr>
+          <p:cNvSpPr txBox="1"/>
+          <p:nvPr/>
+        </p:nvSpPr>
+        <p:spPr>
+          <a:xfrm>
+            <a:off x="3090987" y="934499"/>
+            <a:ext cx="1223428" cy="1015663"/>
+          </a:xfrm>
+          <a:prstGeom prst="rect">
+            <a:avLst/>
+          </a:prstGeom>
+          <a:noFill/>
+        </p:spPr>
+        <p:txBody>
+          <a:bodyPr wrap="square" rtlCol="0">
+            <a:spAutoFit/>
+          </a:bodyPr>
+          <a:lstStyle/>
+          <a:p>
+            <a:r>
+              <a:rPr lang="en-US" sz="1200" dirty="0">
+                <a:solidFill>
+                  <a:schemeClr val="accent2">
+                    <a:lumMod val="75000"/>
+                  </a:schemeClr>
+                </a:solidFill>
+              </a:rPr>
+              <a:t>Basic maps</a:t>
+            </a:r>
+          </a:p>
+          <a:p>
+            <a:r>
+              <a:rPr lang="en-US" sz="1200" dirty="0">
+                <a:solidFill>
+                  <a:schemeClr val="accent2">
+                    <a:lumMod val="75000"/>
+                  </a:schemeClr>
+                </a:solidFill>
+              </a:rPr>
+              <a:t>Generic topics</a:t>
+            </a:r>
+          </a:p>
+          <a:p>
+            <a:r>
+              <a:rPr lang="en-US" sz="1200" dirty="0">
+                <a:solidFill>
+                  <a:schemeClr val="accent2">
+                    <a:lumMod val="75000"/>
+                  </a:schemeClr>
+                </a:solidFill>
+              </a:rPr>
+              <a:t>Task topics</a:t>
+            </a:r>
+          </a:p>
+          <a:p>
+            <a:r>
+              <a:rPr lang="en-US" sz="1200" dirty="0">
+                <a:solidFill>
+                  <a:schemeClr val="accent2">
+                    <a:lumMod val="75000"/>
+                  </a:schemeClr>
+                </a:solidFill>
+              </a:rPr>
+              <a:t>Default PDF </a:t>
+            </a:r>
+          </a:p>
+          <a:p>
+            <a:r>
+              <a:rPr lang="en-US" sz="1200" dirty="0">
+                <a:solidFill>
+                  <a:schemeClr val="accent2">
+                    <a:lumMod val="75000"/>
+                  </a:schemeClr>
+                </a:solidFill>
+              </a:rPr>
+              <a:t>Default HTML5</a:t>
+            </a:r>
+          </a:p>
+        </p:txBody>
+      </p:sp>
+      <p:sp>
+        <p:nvSpPr>
+          <p:cNvPr id="59" name="TextBox 58">
+            <a:extLst>
+              <a:ext uri="{FF2B5EF4-FFF2-40B4-BE49-F238E27FC236}">
+                <a16:creationId xmlns:a16="http://schemas.microsoft.com/office/drawing/2014/main" id="{511E2BEB-0ABE-4C36-889F-F1DBE533C4E6}"/>
+              </a:ext>
+            </a:extLst>
+          </p:cNvPr>
+          <p:cNvSpPr txBox="1"/>
+          <p:nvPr/>
+        </p:nvSpPr>
+        <p:spPr>
+          <a:xfrm>
+            <a:off x="1572643" y="948261"/>
+            <a:ext cx="1291299" cy="1015663"/>
+          </a:xfrm>
+          <a:prstGeom prst="rect">
+            <a:avLst/>
+          </a:prstGeom>
+          <a:noFill/>
+        </p:spPr>
+        <p:txBody>
+          <a:bodyPr wrap="square" rtlCol="0">
+            <a:spAutoFit/>
+          </a:bodyPr>
+          <a:lstStyle/>
+          <a:p>
+            <a:r>
+              <a:rPr lang="en-US" sz="1200" dirty="0">
+                <a:solidFill>
+                  <a:srgbClr val="0070C0"/>
+                </a:solidFill>
+              </a:rPr>
+              <a:t>Content audit</a:t>
+            </a:r>
+          </a:p>
+          <a:p>
+            <a:r>
+              <a:rPr lang="en-US" sz="1200" dirty="0">
+                <a:solidFill>
+                  <a:srgbClr val="0070C0"/>
+                </a:solidFill>
+              </a:rPr>
+              <a:t>Conversion plan</a:t>
+            </a:r>
+          </a:p>
+          <a:p>
+            <a:r>
+              <a:rPr lang="en-US" sz="1200" dirty="0">
+                <a:solidFill>
+                  <a:srgbClr val="0070C0"/>
+                </a:solidFill>
+              </a:rPr>
+              <a:t>SVN/GIT repo</a:t>
+            </a:r>
+          </a:p>
+          <a:p>
+            <a:r>
+              <a:rPr lang="en-US" sz="1200" dirty="0">
+                <a:solidFill>
+                  <a:srgbClr val="0070C0"/>
+                </a:solidFill>
+              </a:rPr>
+              <a:t>DITA boot camp</a:t>
+            </a:r>
+          </a:p>
+          <a:p>
+            <a:r>
+              <a:rPr lang="en-US" sz="1200" dirty="0">
+                <a:solidFill>
+                  <a:srgbClr val="0070C0"/>
+                </a:solidFill>
+              </a:rPr>
+              <a:t>Automated builds</a:t>
+            </a:r>
+          </a:p>
+        </p:txBody>
+      </p:sp>
+      <p:sp>
+        <p:nvSpPr>
+          <p:cNvPr id="60" name="TextBox 59">
+            <a:extLst>
+              <a:ext uri="{FF2B5EF4-FFF2-40B4-BE49-F238E27FC236}">
+                <a16:creationId xmlns:a16="http://schemas.microsoft.com/office/drawing/2014/main" id="{A36D99D8-EF5D-4D65-8DCE-B128B72653A1}"/>
+              </a:ext>
+            </a:extLst>
+          </p:cNvPr>
+          <p:cNvSpPr txBox="1"/>
+          <p:nvPr/>
+        </p:nvSpPr>
+        <p:spPr>
+          <a:xfrm>
+            <a:off x="4559006" y="937609"/>
+            <a:ext cx="1306289" cy="1015663"/>
+          </a:xfrm>
+          <a:prstGeom prst="rect">
+            <a:avLst/>
+          </a:prstGeom>
+          <a:noFill/>
+        </p:spPr>
+        <p:txBody>
+          <a:bodyPr wrap="square" rtlCol="0">
+            <a:spAutoFit/>
+          </a:bodyPr>
+          <a:lstStyle/>
+          <a:p>
+            <a:r>
+              <a:rPr lang="en-US" sz="1200" dirty="0">
+                <a:solidFill>
+                  <a:schemeClr val="bg1">
+                    <a:lumMod val="50000"/>
+                  </a:schemeClr>
+                </a:solidFill>
+              </a:rPr>
+              <a:t>Branding</a:t>
+            </a:r>
+          </a:p>
+          <a:p>
+            <a:r>
+              <a:rPr lang="en-US" sz="1200" dirty="0">
+                <a:solidFill>
+                  <a:schemeClr val="bg1">
+                    <a:lumMod val="50000"/>
+                  </a:schemeClr>
+                </a:solidFill>
+              </a:rPr>
+              <a:t>Basic keys</a:t>
+            </a:r>
+          </a:p>
+          <a:p>
+            <a:r>
+              <a:rPr lang="en-US" sz="1200" dirty="0">
+                <a:solidFill>
+                  <a:schemeClr val="bg1">
+                    <a:lumMod val="50000"/>
+                  </a:schemeClr>
+                </a:solidFill>
+              </a:rPr>
+              <a:t>Concept topics</a:t>
+            </a:r>
+          </a:p>
+          <a:p>
+            <a:r>
+              <a:rPr lang="en-US" sz="1200" dirty="0">
+                <a:solidFill>
+                  <a:schemeClr val="bg1">
+                    <a:lumMod val="50000"/>
+                  </a:schemeClr>
+                </a:solidFill>
+              </a:rPr>
+              <a:t>Short descriptions HTML5 Help</a:t>
+            </a:r>
+          </a:p>
+        </p:txBody>
+      </p:sp>
+      <p:sp>
+        <p:nvSpPr>
+          <p:cNvPr id="61" name="TextBox 60">
+            <a:extLst>
+              <a:ext uri="{FF2B5EF4-FFF2-40B4-BE49-F238E27FC236}">
+                <a16:creationId xmlns:a16="http://schemas.microsoft.com/office/drawing/2014/main" id="{0AB5D5D1-5E93-46C5-A84B-D8B7A5455F51}"/>
+              </a:ext>
+            </a:extLst>
+          </p:cNvPr>
+          <p:cNvSpPr txBox="1"/>
+          <p:nvPr/>
+        </p:nvSpPr>
+        <p:spPr>
+          <a:xfrm>
+            <a:off x="6083010" y="931382"/>
+            <a:ext cx="1306285" cy="1200329"/>
+          </a:xfrm>
+          <a:prstGeom prst="rect">
+            <a:avLst/>
+          </a:prstGeom>
+          <a:noFill/>
+        </p:spPr>
+        <p:txBody>
+          <a:bodyPr wrap="square" rtlCol="0">
+            <a:spAutoFit/>
+          </a:bodyPr>
+          <a:lstStyle/>
+          <a:p>
+            <a:r>
+              <a:rPr lang="en-US" sz="1200" dirty="0">
+                <a:solidFill>
+                  <a:schemeClr val="accent6">
+                    <a:lumMod val="75000"/>
+                  </a:schemeClr>
+                </a:solidFill>
+              </a:rPr>
+              <a:t>Conditions</a:t>
+            </a:r>
+          </a:p>
+          <a:p>
+            <a:r>
+              <a:rPr lang="en-US" sz="1200" dirty="0">
+                <a:solidFill>
+                  <a:schemeClr val="accent6">
+                    <a:lumMod val="75000"/>
+                  </a:schemeClr>
+                </a:solidFill>
+              </a:rPr>
+              <a:t>Metadata</a:t>
+            </a:r>
+          </a:p>
+          <a:p>
+            <a:r>
+              <a:rPr lang="en-US" sz="1200" dirty="0">
+                <a:solidFill>
+                  <a:schemeClr val="accent6">
+                    <a:lumMod val="75000"/>
+                  </a:schemeClr>
+                </a:solidFill>
+              </a:rPr>
+              <a:t>Markdown topics</a:t>
+            </a:r>
+          </a:p>
+          <a:p>
+            <a:r>
+              <a:rPr lang="en-US" sz="1200" dirty="0">
+                <a:solidFill>
+                  <a:schemeClr val="accent6">
+                    <a:lumMod val="75000"/>
+                  </a:schemeClr>
+                </a:solidFill>
+              </a:rPr>
+              <a:t>Content libraries</a:t>
+            </a:r>
+          </a:p>
+          <a:p>
+            <a:r>
+              <a:rPr lang="en-US" sz="1200" dirty="0">
+                <a:solidFill>
+                  <a:schemeClr val="accent6">
+                    <a:lumMod val="75000"/>
+                  </a:schemeClr>
+                </a:solidFill>
+              </a:rPr>
+              <a:t>Branded PDF</a:t>
+            </a:r>
+          </a:p>
+          <a:p>
+            <a:endParaRPr lang="en-US" sz="1200" dirty="0"/>
+          </a:p>
+        </p:txBody>
+      </p:sp>
+    </p:spTree>
+    <p:extLst>
+      <p:ext uri="{BB962C8B-B14F-4D97-AF65-F5344CB8AC3E}">
+        <p14:creationId xmlns:p14="http://schemas.microsoft.com/office/powerpoint/2010/main" val="1625068128"/>
+      </p:ext>
+    </p:extLst>
+  </p:cSld>
+  <p:clrMapOvr>
+    <a:masterClrMapping/>
+  </p:clrMapOvr>
+</p:sld>
+</file>
+
 <file path=ppt/slides/slide2.xml><?xml version="1.0" encoding="utf-8"?>
 <p:sld xmlns:a="http://schemas.openxmlformats.org/drawingml/2006/main" xmlns:r="http://schemas.openxmlformats.org/officeDocument/2006/relationships" xmlns:p="http://schemas.openxmlformats.org/presentationml/2006/main">
   <p:cSld>
